--- a/ux/Slide UX Design - Cap01.pptx
+++ b/ux/Slide UX Design - Cap01.pptx
@@ -6,19 +6,21 @@
   </p:sldMasterIdLst>
   <p:sldIdLst>
     <p:sldId id="256" r:id="rId2"/>
-    <p:sldId id="257" r:id="rId3"/>
-    <p:sldId id="258" r:id="rId4"/>
-    <p:sldId id="259" r:id="rId5"/>
-    <p:sldId id="260" r:id="rId6"/>
-    <p:sldId id="261" r:id="rId7"/>
-    <p:sldId id="262" r:id="rId8"/>
-    <p:sldId id="263" r:id="rId9"/>
-    <p:sldId id="264" r:id="rId10"/>
-    <p:sldId id="265" r:id="rId11"/>
-    <p:sldId id="266" r:id="rId12"/>
-    <p:sldId id="267" r:id="rId13"/>
-    <p:sldId id="268" r:id="rId14"/>
-    <p:sldId id="269" r:id="rId15"/>
+    <p:sldId id="270" r:id="rId3"/>
+    <p:sldId id="271" r:id="rId4"/>
+    <p:sldId id="257" r:id="rId5"/>
+    <p:sldId id="258" r:id="rId6"/>
+    <p:sldId id="259" r:id="rId7"/>
+    <p:sldId id="260" r:id="rId8"/>
+    <p:sldId id="261" r:id="rId9"/>
+    <p:sldId id="262" r:id="rId10"/>
+    <p:sldId id="263" r:id="rId11"/>
+    <p:sldId id="264" r:id="rId12"/>
+    <p:sldId id="265" r:id="rId13"/>
+    <p:sldId id="266" r:id="rId14"/>
+    <p:sldId id="267" r:id="rId15"/>
+    <p:sldId id="268" r:id="rId16"/>
+    <p:sldId id="269" r:id="rId17"/>
   </p:sldIdLst>
   <p:sldSz cx="12192000" cy="6858000"/>
   <p:notesSz cx="6858000" cy="9144000"/>
@@ -147,7 +149,7 @@
           <p:cNvPr id="2" name="Título 1">
             <a:extLst>
               <a:ext uri="{FF2B5EF4-FFF2-40B4-BE49-F238E27FC236}">
-                <a16:creationId xmlns:a16="http://schemas.microsoft.com/office/drawing/2014/main" xmlns="" id="{E60874E5-1277-40BF-B62F-6C0211CFF2A9}"/>
+                <a16:creationId xmlns:a16="http://schemas.microsoft.com/office/drawing/2014/main" id="{E60874E5-1277-40BF-B62F-6C0211CFF2A9}"/>
               </a:ext>
             </a:extLst>
           </p:cNvPr>
@@ -184,7 +186,7 @@
           <p:cNvPr id="3" name="Subtítulo 2">
             <a:extLst>
               <a:ext uri="{FF2B5EF4-FFF2-40B4-BE49-F238E27FC236}">
-                <a16:creationId xmlns:a16="http://schemas.microsoft.com/office/drawing/2014/main" xmlns="" id="{8D3CCAD3-A887-4660-9C33-043D2F4A95E1}"/>
+                <a16:creationId xmlns:a16="http://schemas.microsoft.com/office/drawing/2014/main" id="{8D3CCAD3-A887-4660-9C33-043D2F4A95E1}"/>
               </a:ext>
             </a:extLst>
           </p:cNvPr>
@@ -254,7 +256,7 @@
           <p:cNvPr id="4" name="Espaço Reservado para Data 3">
             <a:extLst>
               <a:ext uri="{FF2B5EF4-FFF2-40B4-BE49-F238E27FC236}">
-                <a16:creationId xmlns:a16="http://schemas.microsoft.com/office/drawing/2014/main" xmlns="" id="{258D4BFF-AAD3-4A97-AD36-DCD24B6A16C4}"/>
+                <a16:creationId xmlns:a16="http://schemas.microsoft.com/office/drawing/2014/main" id="{258D4BFF-AAD3-4A97-AD36-DCD24B6A16C4}"/>
               </a:ext>
             </a:extLst>
           </p:cNvPr>
@@ -283,7 +285,7 @@
           <p:cNvPr id="5" name="Espaço Reservado para Rodapé 4">
             <a:extLst>
               <a:ext uri="{FF2B5EF4-FFF2-40B4-BE49-F238E27FC236}">
-                <a16:creationId xmlns:a16="http://schemas.microsoft.com/office/drawing/2014/main" xmlns="" id="{1A6C420B-D37B-48F1-AEE0-DD939645086B}"/>
+                <a16:creationId xmlns:a16="http://schemas.microsoft.com/office/drawing/2014/main" id="{1A6C420B-D37B-48F1-AEE0-DD939645086B}"/>
               </a:ext>
             </a:extLst>
           </p:cNvPr>
@@ -308,7 +310,7 @@
           <p:cNvPr id="6" name="Espaço Reservado para Número de Slide 5">
             <a:extLst>
               <a:ext uri="{FF2B5EF4-FFF2-40B4-BE49-F238E27FC236}">
-                <a16:creationId xmlns:a16="http://schemas.microsoft.com/office/drawing/2014/main" xmlns="" id="{BB72D6B6-333E-4DE7-A834-F2798AD84F9F}"/>
+                <a16:creationId xmlns:a16="http://schemas.microsoft.com/office/drawing/2014/main" id="{BB72D6B6-333E-4DE7-A834-F2798AD84F9F}"/>
               </a:ext>
             </a:extLst>
           </p:cNvPr>
@@ -367,7 +369,7 @@
           <p:cNvPr id="2" name="Título 1">
             <a:extLst>
               <a:ext uri="{FF2B5EF4-FFF2-40B4-BE49-F238E27FC236}">
-                <a16:creationId xmlns:a16="http://schemas.microsoft.com/office/drawing/2014/main" xmlns="" id="{D9CB76D6-F19E-4802-B119-FC03F5612A6D}"/>
+                <a16:creationId xmlns:a16="http://schemas.microsoft.com/office/drawing/2014/main" id="{D9CB76D6-F19E-4802-B119-FC03F5612A6D}"/>
               </a:ext>
             </a:extLst>
           </p:cNvPr>
@@ -395,7 +397,7 @@
           <p:cNvPr id="3" name="Espaço Reservado para Texto Vertical 2">
             <a:extLst>
               <a:ext uri="{FF2B5EF4-FFF2-40B4-BE49-F238E27FC236}">
-                <a16:creationId xmlns:a16="http://schemas.microsoft.com/office/drawing/2014/main" xmlns="" id="{D6BA2B92-972A-4991-B189-0D8E2A692B2C}"/>
+                <a16:creationId xmlns:a16="http://schemas.microsoft.com/office/drawing/2014/main" id="{D6BA2B92-972A-4991-B189-0D8E2A692B2C}"/>
               </a:ext>
             </a:extLst>
           </p:cNvPr>
@@ -452,7 +454,7 @@
           <p:cNvPr id="4" name="Espaço Reservado para Data 3">
             <a:extLst>
               <a:ext uri="{FF2B5EF4-FFF2-40B4-BE49-F238E27FC236}">
-                <a16:creationId xmlns:a16="http://schemas.microsoft.com/office/drawing/2014/main" xmlns="" id="{C116A5B7-9F95-4EF4-B5E0-B053EF0E143F}"/>
+                <a16:creationId xmlns:a16="http://schemas.microsoft.com/office/drawing/2014/main" id="{C116A5B7-9F95-4EF4-B5E0-B053EF0E143F}"/>
               </a:ext>
             </a:extLst>
           </p:cNvPr>
@@ -481,7 +483,7 @@
           <p:cNvPr id="5" name="Espaço Reservado para Rodapé 4">
             <a:extLst>
               <a:ext uri="{FF2B5EF4-FFF2-40B4-BE49-F238E27FC236}">
-                <a16:creationId xmlns:a16="http://schemas.microsoft.com/office/drawing/2014/main" xmlns="" id="{1C190CA4-F062-4FE7-B69B-E19631E8C995}"/>
+                <a16:creationId xmlns:a16="http://schemas.microsoft.com/office/drawing/2014/main" id="{1C190CA4-F062-4FE7-B69B-E19631E8C995}"/>
               </a:ext>
             </a:extLst>
           </p:cNvPr>
@@ -506,7 +508,7 @@
           <p:cNvPr id="6" name="Espaço Reservado para Número de Slide 5">
             <a:extLst>
               <a:ext uri="{FF2B5EF4-FFF2-40B4-BE49-F238E27FC236}">
-                <a16:creationId xmlns:a16="http://schemas.microsoft.com/office/drawing/2014/main" xmlns="" id="{7C81DC65-04CC-47E9-89DB-B142962995D3}"/>
+                <a16:creationId xmlns:a16="http://schemas.microsoft.com/office/drawing/2014/main" id="{7C81DC65-04CC-47E9-89DB-B142962995D3}"/>
               </a:ext>
             </a:extLst>
           </p:cNvPr>
@@ -565,7 +567,7 @@
           <p:cNvPr id="2" name="Título Vertical 1">
             <a:extLst>
               <a:ext uri="{FF2B5EF4-FFF2-40B4-BE49-F238E27FC236}">
-                <a16:creationId xmlns:a16="http://schemas.microsoft.com/office/drawing/2014/main" xmlns="" id="{C438655F-488D-4ACA-A279-9E1EF5E829C8}"/>
+                <a16:creationId xmlns:a16="http://schemas.microsoft.com/office/drawing/2014/main" id="{C438655F-488D-4ACA-A279-9E1EF5E829C8}"/>
               </a:ext>
             </a:extLst>
           </p:cNvPr>
@@ -598,7 +600,7 @@
           <p:cNvPr id="3" name="Espaço Reservado para Texto Vertical 2">
             <a:extLst>
               <a:ext uri="{FF2B5EF4-FFF2-40B4-BE49-F238E27FC236}">
-                <a16:creationId xmlns:a16="http://schemas.microsoft.com/office/drawing/2014/main" xmlns="" id="{F74D743B-5862-45DB-92DC-0E7B9FB4E352}"/>
+                <a16:creationId xmlns:a16="http://schemas.microsoft.com/office/drawing/2014/main" id="{F74D743B-5862-45DB-92DC-0E7B9FB4E352}"/>
               </a:ext>
             </a:extLst>
           </p:cNvPr>
@@ -660,7 +662,7 @@
           <p:cNvPr id="4" name="Espaço Reservado para Data 3">
             <a:extLst>
               <a:ext uri="{FF2B5EF4-FFF2-40B4-BE49-F238E27FC236}">
-                <a16:creationId xmlns:a16="http://schemas.microsoft.com/office/drawing/2014/main" xmlns="" id="{6BA02878-9B47-42CE-B81E-A9D75EFEA476}"/>
+                <a16:creationId xmlns:a16="http://schemas.microsoft.com/office/drawing/2014/main" id="{6BA02878-9B47-42CE-B81E-A9D75EFEA476}"/>
               </a:ext>
             </a:extLst>
           </p:cNvPr>
@@ -689,7 +691,7 @@
           <p:cNvPr id="5" name="Espaço Reservado para Rodapé 4">
             <a:extLst>
               <a:ext uri="{FF2B5EF4-FFF2-40B4-BE49-F238E27FC236}">
-                <a16:creationId xmlns:a16="http://schemas.microsoft.com/office/drawing/2014/main" xmlns="" id="{0DCE71BE-19A0-4B61-A935-36FDA12BE5AD}"/>
+                <a16:creationId xmlns:a16="http://schemas.microsoft.com/office/drawing/2014/main" id="{0DCE71BE-19A0-4B61-A935-36FDA12BE5AD}"/>
               </a:ext>
             </a:extLst>
           </p:cNvPr>
@@ -714,7 +716,7 @@
           <p:cNvPr id="6" name="Espaço Reservado para Número de Slide 5">
             <a:extLst>
               <a:ext uri="{FF2B5EF4-FFF2-40B4-BE49-F238E27FC236}">
-                <a16:creationId xmlns:a16="http://schemas.microsoft.com/office/drawing/2014/main" xmlns="" id="{13E51667-4A70-4D98-B2F0-BA4B2D3D6CD1}"/>
+                <a16:creationId xmlns:a16="http://schemas.microsoft.com/office/drawing/2014/main" id="{13E51667-4A70-4D98-B2F0-BA4B2D3D6CD1}"/>
               </a:ext>
             </a:extLst>
           </p:cNvPr>
@@ -773,7 +775,7 @@
           <p:cNvPr id="2" name="Título 1">
             <a:extLst>
               <a:ext uri="{FF2B5EF4-FFF2-40B4-BE49-F238E27FC236}">
-                <a16:creationId xmlns:a16="http://schemas.microsoft.com/office/drawing/2014/main" xmlns="" id="{CFFA2BC0-DA30-47E7-8959-D9722B850255}"/>
+                <a16:creationId xmlns:a16="http://schemas.microsoft.com/office/drawing/2014/main" id="{CFFA2BC0-DA30-47E7-8959-D9722B850255}"/>
               </a:ext>
             </a:extLst>
           </p:cNvPr>
@@ -801,7 +803,7 @@
           <p:cNvPr id="3" name="Espaço Reservado para Conteúdo 2">
             <a:extLst>
               <a:ext uri="{FF2B5EF4-FFF2-40B4-BE49-F238E27FC236}">
-                <a16:creationId xmlns:a16="http://schemas.microsoft.com/office/drawing/2014/main" xmlns="" id="{F643F244-5AEA-4B86-9811-8B5D23521BCF}"/>
+                <a16:creationId xmlns:a16="http://schemas.microsoft.com/office/drawing/2014/main" id="{F643F244-5AEA-4B86-9811-8B5D23521BCF}"/>
               </a:ext>
             </a:extLst>
           </p:cNvPr>
@@ -858,7 +860,7 @@
           <p:cNvPr id="4" name="Espaço Reservado para Data 3">
             <a:extLst>
               <a:ext uri="{FF2B5EF4-FFF2-40B4-BE49-F238E27FC236}">
-                <a16:creationId xmlns:a16="http://schemas.microsoft.com/office/drawing/2014/main" xmlns="" id="{14E282EA-B443-48D9-AD8F-B36C4D52DBD4}"/>
+                <a16:creationId xmlns:a16="http://schemas.microsoft.com/office/drawing/2014/main" id="{14E282EA-B443-48D9-AD8F-B36C4D52DBD4}"/>
               </a:ext>
             </a:extLst>
           </p:cNvPr>
@@ -887,7 +889,7 @@
           <p:cNvPr id="5" name="Espaço Reservado para Rodapé 4">
             <a:extLst>
               <a:ext uri="{FF2B5EF4-FFF2-40B4-BE49-F238E27FC236}">
-                <a16:creationId xmlns:a16="http://schemas.microsoft.com/office/drawing/2014/main" xmlns="" id="{914A4A28-311F-4869-9B30-2086E2E41B86}"/>
+                <a16:creationId xmlns:a16="http://schemas.microsoft.com/office/drawing/2014/main" id="{914A4A28-311F-4869-9B30-2086E2E41B86}"/>
               </a:ext>
             </a:extLst>
           </p:cNvPr>
@@ -912,7 +914,7 @@
           <p:cNvPr id="6" name="Espaço Reservado para Número de Slide 5">
             <a:extLst>
               <a:ext uri="{FF2B5EF4-FFF2-40B4-BE49-F238E27FC236}">
-                <a16:creationId xmlns:a16="http://schemas.microsoft.com/office/drawing/2014/main" xmlns="" id="{AB878519-7595-4F56-95A4-A76A901A9289}"/>
+                <a16:creationId xmlns:a16="http://schemas.microsoft.com/office/drawing/2014/main" id="{AB878519-7595-4F56-95A4-A76A901A9289}"/>
               </a:ext>
             </a:extLst>
           </p:cNvPr>
@@ -971,7 +973,7 @@
           <p:cNvPr id="2" name="Título 1">
             <a:extLst>
               <a:ext uri="{FF2B5EF4-FFF2-40B4-BE49-F238E27FC236}">
-                <a16:creationId xmlns:a16="http://schemas.microsoft.com/office/drawing/2014/main" xmlns="" id="{7F246BB2-2944-4937-AC65-E7EEF27AB444}"/>
+                <a16:creationId xmlns:a16="http://schemas.microsoft.com/office/drawing/2014/main" id="{7F246BB2-2944-4937-AC65-E7EEF27AB444}"/>
               </a:ext>
             </a:extLst>
           </p:cNvPr>
@@ -1008,7 +1010,7 @@
           <p:cNvPr id="3" name="Espaço Reservado para Texto 2">
             <a:extLst>
               <a:ext uri="{FF2B5EF4-FFF2-40B4-BE49-F238E27FC236}">
-                <a16:creationId xmlns:a16="http://schemas.microsoft.com/office/drawing/2014/main" xmlns="" id="{687581DA-AE97-4716-BD0D-79CCE7A89DB4}"/>
+                <a16:creationId xmlns:a16="http://schemas.microsoft.com/office/drawing/2014/main" id="{687581DA-AE97-4716-BD0D-79CCE7A89DB4}"/>
               </a:ext>
             </a:extLst>
           </p:cNvPr>
@@ -1133,7 +1135,7 @@
           <p:cNvPr id="4" name="Espaço Reservado para Data 3">
             <a:extLst>
               <a:ext uri="{FF2B5EF4-FFF2-40B4-BE49-F238E27FC236}">
-                <a16:creationId xmlns:a16="http://schemas.microsoft.com/office/drawing/2014/main" xmlns="" id="{79621170-D3C0-4415-8881-E14D88843C87}"/>
+                <a16:creationId xmlns:a16="http://schemas.microsoft.com/office/drawing/2014/main" id="{79621170-D3C0-4415-8881-E14D88843C87}"/>
               </a:ext>
             </a:extLst>
           </p:cNvPr>
@@ -1162,7 +1164,7 @@
           <p:cNvPr id="5" name="Espaço Reservado para Rodapé 4">
             <a:extLst>
               <a:ext uri="{FF2B5EF4-FFF2-40B4-BE49-F238E27FC236}">
-                <a16:creationId xmlns:a16="http://schemas.microsoft.com/office/drawing/2014/main" xmlns="" id="{0847AEE9-7A87-4DC8-9101-18A3BE275B3D}"/>
+                <a16:creationId xmlns:a16="http://schemas.microsoft.com/office/drawing/2014/main" id="{0847AEE9-7A87-4DC8-9101-18A3BE275B3D}"/>
               </a:ext>
             </a:extLst>
           </p:cNvPr>
@@ -1187,7 +1189,7 @@
           <p:cNvPr id="6" name="Espaço Reservado para Número de Slide 5">
             <a:extLst>
               <a:ext uri="{FF2B5EF4-FFF2-40B4-BE49-F238E27FC236}">
-                <a16:creationId xmlns:a16="http://schemas.microsoft.com/office/drawing/2014/main" xmlns="" id="{C3E0F00B-9229-4927-86C0-632851ACA64B}"/>
+                <a16:creationId xmlns:a16="http://schemas.microsoft.com/office/drawing/2014/main" id="{C3E0F00B-9229-4927-86C0-632851ACA64B}"/>
               </a:ext>
             </a:extLst>
           </p:cNvPr>
@@ -1246,7 +1248,7 @@
           <p:cNvPr id="2" name="Título 1">
             <a:extLst>
               <a:ext uri="{FF2B5EF4-FFF2-40B4-BE49-F238E27FC236}">
-                <a16:creationId xmlns:a16="http://schemas.microsoft.com/office/drawing/2014/main" xmlns="" id="{CE5D9D6F-5E84-430B-92E1-C24246B25172}"/>
+                <a16:creationId xmlns:a16="http://schemas.microsoft.com/office/drawing/2014/main" id="{CE5D9D6F-5E84-430B-92E1-C24246B25172}"/>
               </a:ext>
             </a:extLst>
           </p:cNvPr>
@@ -1274,7 +1276,7 @@
           <p:cNvPr id="3" name="Espaço Reservado para Conteúdo 2">
             <a:extLst>
               <a:ext uri="{FF2B5EF4-FFF2-40B4-BE49-F238E27FC236}">
-                <a16:creationId xmlns:a16="http://schemas.microsoft.com/office/drawing/2014/main" xmlns="" id="{A4E4A42B-C22A-44D4-862D-119B61C26874}"/>
+                <a16:creationId xmlns:a16="http://schemas.microsoft.com/office/drawing/2014/main" id="{A4E4A42B-C22A-44D4-862D-119B61C26874}"/>
               </a:ext>
             </a:extLst>
           </p:cNvPr>
@@ -1336,7 +1338,7 @@
           <p:cNvPr id="4" name="Espaço Reservado para Conteúdo 3">
             <a:extLst>
               <a:ext uri="{FF2B5EF4-FFF2-40B4-BE49-F238E27FC236}">
-                <a16:creationId xmlns:a16="http://schemas.microsoft.com/office/drawing/2014/main" xmlns="" id="{71E6CDA1-8850-414D-B137-F0487E281B0E}"/>
+                <a16:creationId xmlns:a16="http://schemas.microsoft.com/office/drawing/2014/main" id="{71E6CDA1-8850-414D-B137-F0487E281B0E}"/>
               </a:ext>
             </a:extLst>
           </p:cNvPr>
@@ -1398,7 +1400,7 @@
           <p:cNvPr id="5" name="Espaço Reservado para Data 4">
             <a:extLst>
               <a:ext uri="{FF2B5EF4-FFF2-40B4-BE49-F238E27FC236}">
-                <a16:creationId xmlns:a16="http://schemas.microsoft.com/office/drawing/2014/main" xmlns="" id="{16F4ED6C-C965-4E4B-B77E-6936DD7FEC6D}"/>
+                <a16:creationId xmlns:a16="http://schemas.microsoft.com/office/drawing/2014/main" id="{16F4ED6C-C965-4E4B-B77E-6936DD7FEC6D}"/>
               </a:ext>
             </a:extLst>
           </p:cNvPr>
@@ -1427,7 +1429,7 @@
           <p:cNvPr id="6" name="Espaço Reservado para Rodapé 5">
             <a:extLst>
               <a:ext uri="{FF2B5EF4-FFF2-40B4-BE49-F238E27FC236}">
-                <a16:creationId xmlns:a16="http://schemas.microsoft.com/office/drawing/2014/main" xmlns="" id="{4A5D1774-1A5F-42BC-9BF7-160DB0A50209}"/>
+                <a16:creationId xmlns:a16="http://schemas.microsoft.com/office/drawing/2014/main" id="{4A5D1774-1A5F-42BC-9BF7-160DB0A50209}"/>
               </a:ext>
             </a:extLst>
           </p:cNvPr>
@@ -1452,7 +1454,7 @@
           <p:cNvPr id="7" name="Espaço Reservado para Número de Slide 6">
             <a:extLst>
               <a:ext uri="{FF2B5EF4-FFF2-40B4-BE49-F238E27FC236}">
-                <a16:creationId xmlns:a16="http://schemas.microsoft.com/office/drawing/2014/main" xmlns="" id="{A0FF5ABD-708F-4206-8A7B-0B50C46F35B1}"/>
+                <a16:creationId xmlns:a16="http://schemas.microsoft.com/office/drawing/2014/main" id="{A0FF5ABD-708F-4206-8A7B-0B50C46F35B1}"/>
               </a:ext>
             </a:extLst>
           </p:cNvPr>
@@ -1511,7 +1513,7 @@
           <p:cNvPr id="2" name="Título 1">
             <a:extLst>
               <a:ext uri="{FF2B5EF4-FFF2-40B4-BE49-F238E27FC236}">
-                <a16:creationId xmlns:a16="http://schemas.microsoft.com/office/drawing/2014/main" xmlns="" id="{78B26115-5FBB-440C-AC8E-F0037ECCDE9A}"/>
+                <a16:creationId xmlns:a16="http://schemas.microsoft.com/office/drawing/2014/main" id="{78B26115-5FBB-440C-AC8E-F0037ECCDE9A}"/>
               </a:ext>
             </a:extLst>
           </p:cNvPr>
@@ -1544,7 +1546,7 @@
           <p:cNvPr id="3" name="Espaço Reservado para Texto 2">
             <a:extLst>
               <a:ext uri="{FF2B5EF4-FFF2-40B4-BE49-F238E27FC236}">
-                <a16:creationId xmlns:a16="http://schemas.microsoft.com/office/drawing/2014/main" xmlns="" id="{464F4BCD-24D6-4C29-9570-35723620C004}"/>
+                <a16:creationId xmlns:a16="http://schemas.microsoft.com/office/drawing/2014/main" id="{464F4BCD-24D6-4C29-9570-35723620C004}"/>
               </a:ext>
             </a:extLst>
           </p:cNvPr>
@@ -1615,7 +1617,7 @@
           <p:cNvPr id="4" name="Espaço Reservado para Conteúdo 3">
             <a:extLst>
               <a:ext uri="{FF2B5EF4-FFF2-40B4-BE49-F238E27FC236}">
-                <a16:creationId xmlns:a16="http://schemas.microsoft.com/office/drawing/2014/main" xmlns="" id="{94772925-77FB-4EF2-9CCC-24B636017666}"/>
+                <a16:creationId xmlns:a16="http://schemas.microsoft.com/office/drawing/2014/main" id="{94772925-77FB-4EF2-9CCC-24B636017666}"/>
               </a:ext>
             </a:extLst>
           </p:cNvPr>
@@ -1677,7 +1679,7 @@
           <p:cNvPr id="5" name="Espaço Reservado para Texto 4">
             <a:extLst>
               <a:ext uri="{FF2B5EF4-FFF2-40B4-BE49-F238E27FC236}">
-                <a16:creationId xmlns:a16="http://schemas.microsoft.com/office/drawing/2014/main" xmlns="" id="{9E34AA6A-9CB5-41F7-929E-B06E6FDFEB87}"/>
+                <a16:creationId xmlns:a16="http://schemas.microsoft.com/office/drawing/2014/main" id="{9E34AA6A-9CB5-41F7-929E-B06E6FDFEB87}"/>
               </a:ext>
             </a:extLst>
           </p:cNvPr>
@@ -1748,7 +1750,7 @@
           <p:cNvPr id="6" name="Espaço Reservado para Conteúdo 5">
             <a:extLst>
               <a:ext uri="{FF2B5EF4-FFF2-40B4-BE49-F238E27FC236}">
-                <a16:creationId xmlns:a16="http://schemas.microsoft.com/office/drawing/2014/main" xmlns="" id="{1CEC17BB-68CE-4280-AD9F-7690A35555AC}"/>
+                <a16:creationId xmlns:a16="http://schemas.microsoft.com/office/drawing/2014/main" id="{1CEC17BB-68CE-4280-AD9F-7690A35555AC}"/>
               </a:ext>
             </a:extLst>
           </p:cNvPr>
@@ -1810,7 +1812,7 @@
           <p:cNvPr id="7" name="Espaço Reservado para Data 6">
             <a:extLst>
               <a:ext uri="{FF2B5EF4-FFF2-40B4-BE49-F238E27FC236}">
-                <a16:creationId xmlns:a16="http://schemas.microsoft.com/office/drawing/2014/main" xmlns="" id="{F81DF97A-D916-4C7A-80F4-361FD8D5205C}"/>
+                <a16:creationId xmlns:a16="http://schemas.microsoft.com/office/drawing/2014/main" id="{F81DF97A-D916-4C7A-80F4-361FD8D5205C}"/>
               </a:ext>
             </a:extLst>
           </p:cNvPr>
@@ -1839,7 +1841,7 @@
           <p:cNvPr id="8" name="Espaço Reservado para Rodapé 7">
             <a:extLst>
               <a:ext uri="{FF2B5EF4-FFF2-40B4-BE49-F238E27FC236}">
-                <a16:creationId xmlns:a16="http://schemas.microsoft.com/office/drawing/2014/main" xmlns="" id="{1D5CA0D2-5D29-47F5-8FA8-A2B7FA674D98}"/>
+                <a16:creationId xmlns:a16="http://schemas.microsoft.com/office/drawing/2014/main" id="{1D5CA0D2-5D29-47F5-8FA8-A2B7FA674D98}"/>
               </a:ext>
             </a:extLst>
           </p:cNvPr>
@@ -1864,7 +1866,7 @@
           <p:cNvPr id="9" name="Espaço Reservado para Número de Slide 8">
             <a:extLst>
               <a:ext uri="{FF2B5EF4-FFF2-40B4-BE49-F238E27FC236}">
-                <a16:creationId xmlns:a16="http://schemas.microsoft.com/office/drawing/2014/main" xmlns="" id="{C05062DE-6764-4BD4-B37E-5A6A2C8CD33A}"/>
+                <a16:creationId xmlns:a16="http://schemas.microsoft.com/office/drawing/2014/main" id="{C05062DE-6764-4BD4-B37E-5A6A2C8CD33A}"/>
               </a:ext>
             </a:extLst>
           </p:cNvPr>
@@ -1923,7 +1925,7 @@
           <p:cNvPr id="2" name="Título 1">
             <a:extLst>
               <a:ext uri="{FF2B5EF4-FFF2-40B4-BE49-F238E27FC236}">
-                <a16:creationId xmlns:a16="http://schemas.microsoft.com/office/drawing/2014/main" xmlns="" id="{7484B020-6B87-4E0A-B45A-7B9879DF5D30}"/>
+                <a16:creationId xmlns:a16="http://schemas.microsoft.com/office/drawing/2014/main" id="{7484B020-6B87-4E0A-B45A-7B9879DF5D30}"/>
               </a:ext>
             </a:extLst>
           </p:cNvPr>
@@ -1951,7 +1953,7 @@
           <p:cNvPr id="3" name="Espaço Reservado para Data 2">
             <a:extLst>
               <a:ext uri="{FF2B5EF4-FFF2-40B4-BE49-F238E27FC236}">
-                <a16:creationId xmlns:a16="http://schemas.microsoft.com/office/drawing/2014/main" xmlns="" id="{FAFBBEDB-00EA-4A8D-B2C7-4A69436F1925}"/>
+                <a16:creationId xmlns:a16="http://schemas.microsoft.com/office/drawing/2014/main" id="{FAFBBEDB-00EA-4A8D-B2C7-4A69436F1925}"/>
               </a:ext>
             </a:extLst>
           </p:cNvPr>
@@ -1980,7 +1982,7 @@
           <p:cNvPr id="4" name="Espaço Reservado para Rodapé 3">
             <a:extLst>
               <a:ext uri="{FF2B5EF4-FFF2-40B4-BE49-F238E27FC236}">
-                <a16:creationId xmlns:a16="http://schemas.microsoft.com/office/drawing/2014/main" xmlns="" id="{1D961991-6755-41BC-916C-A66CCAE9C544}"/>
+                <a16:creationId xmlns:a16="http://schemas.microsoft.com/office/drawing/2014/main" id="{1D961991-6755-41BC-916C-A66CCAE9C544}"/>
               </a:ext>
             </a:extLst>
           </p:cNvPr>
@@ -2005,7 +2007,7 @@
           <p:cNvPr id="5" name="Espaço Reservado para Número de Slide 4">
             <a:extLst>
               <a:ext uri="{FF2B5EF4-FFF2-40B4-BE49-F238E27FC236}">
-                <a16:creationId xmlns:a16="http://schemas.microsoft.com/office/drawing/2014/main" xmlns="" id="{480B4C4C-D6B5-4C11-989E-4F4F718F3790}"/>
+                <a16:creationId xmlns:a16="http://schemas.microsoft.com/office/drawing/2014/main" id="{480B4C4C-D6B5-4C11-989E-4F4F718F3790}"/>
               </a:ext>
             </a:extLst>
           </p:cNvPr>
@@ -2064,7 +2066,7 @@
           <p:cNvPr id="2" name="Espaço Reservado para Data 1">
             <a:extLst>
               <a:ext uri="{FF2B5EF4-FFF2-40B4-BE49-F238E27FC236}">
-                <a16:creationId xmlns:a16="http://schemas.microsoft.com/office/drawing/2014/main" xmlns="" id="{5ACA51EA-8D9C-462D-88EF-3AB79ACA4A33}"/>
+                <a16:creationId xmlns:a16="http://schemas.microsoft.com/office/drawing/2014/main" id="{5ACA51EA-8D9C-462D-88EF-3AB79ACA4A33}"/>
               </a:ext>
             </a:extLst>
           </p:cNvPr>
@@ -2093,7 +2095,7 @@
           <p:cNvPr id="3" name="Espaço Reservado para Rodapé 2">
             <a:extLst>
               <a:ext uri="{FF2B5EF4-FFF2-40B4-BE49-F238E27FC236}">
-                <a16:creationId xmlns:a16="http://schemas.microsoft.com/office/drawing/2014/main" xmlns="" id="{1F0EF277-EB2F-40D0-9AA0-AAB832D19CAD}"/>
+                <a16:creationId xmlns:a16="http://schemas.microsoft.com/office/drawing/2014/main" id="{1F0EF277-EB2F-40D0-9AA0-AAB832D19CAD}"/>
               </a:ext>
             </a:extLst>
           </p:cNvPr>
@@ -2118,7 +2120,7 @@
           <p:cNvPr id="4" name="Espaço Reservado para Número de Slide 3">
             <a:extLst>
               <a:ext uri="{FF2B5EF4-FFF2-40B4-BE49-F238E27FC236}">
-                <a16:creationId xmlns:a16="http://schemas.microsoft.com/office/drawing/2014/main" xmlns="" id="{11A6B195-E391-4853-86C9-26DF1CB726D0}"/>
+                <a16:creationId xmlns:a16="http://schemas.microsoft.com/office/drawing/2014/main" id="{11A6B195-E391-4853-86C9-26DF1CB726D0}"/>
               </a:ext>
             </a:extLst>
           </p:cNvPr>
@@ -2177,7 +2179,7 @@
           <p:cNvPr id="2" name="Título 1">
             <a:extLst>
               <a:ext uri="{FF2B5EF4-FFF2-40B4-BE49-F238E27FC236}">
-                <a16:creationId xmlns:a16="http://schemas.microsoft.com/office/drawing/2014/main" xmlns="" id="{EF5D3D8A-23DE-4EA3-BBB3-1BC47FA01EFF}"/>
+                <a16:creationId xmlns:a16="http://schemas.microsoft.com/office/drawing/2014/main" id="{EF5D3D8A-23DE-4EA3-BBB3-1BC47FA01EFF}"/>
               </a:ext>
             </a:extLst>
           </p:cNvPr>
@@ -2214,7 +2216,7 @@
           <p:cNvPr id="3" name="Espaço Reservado para Conteúdo 2">
             <a:extLst>
               <a:ext uri="{FF2B5EF4-FFF2-40B4-BE49-F238E27FC236}">
-                <a16:creationId xmlns:a16="http://schemas.microsoft.com/office/drawing/2014/main" xmlns="" id="{764BC8D8-4DFE-410F-BE9F-3B1FE4B50651}"/>
+                <a16:creationId xmlns:a16="http://schemas.microsoft.com/office/drawing/2014/main" id="{764BC8D8-4DFE-410F-BE9F-3B1FE4B50651}"/>
               </a:ext>
             </a:extLst>
           </p:cNvPr>
@@ -2304,7 +2306,7 @@
           <p:cNvPr id="4" name="Espaço Reservado para Texto 3">
             <a:extLst>
               <a:ext uri="{FF2B5EF4-FFF2-40B4-BE49-F238E27FC236}">
-                <a16:creationId xmlns:a16="http://schemas.microsoft.com/office/drawing/2014/main" xmlns="" id="{D870AA81-A1C1-4504-9F87-6190F70F5FF6}"/>
+                <a16:creationId xmlns:a16="http://schemas.microsoft.com/office/drawing/2014/main" id="{D870AA81-A1C1-4504-9F87-6190F70F5FF6}"/>
               </a:ext>
             </a:extLst>
           </p:cNvPr>
@@ -2375,7 +2377,7 @@
           <p:cNvPr id="5" name="Espaço Reservado para Data 4">
             <a:extLst>
               <a:ext uri="{FF2B5EF4-FFF2-40B4-BE49-F238E27FC236}">
-                <a16:creationId xmlns:a16="http://schemas.microsoft.com/office/drawing/2014/main" xmlns="" id="{9C06EFAF-1C8D-4CD7-A84A-FF285154D86F}"/>
+                <a16:creationId xmlns:a16="http://schemas.microsoft.com/office/drawing/2014/main" id="{9C06EFAF-1C8D-4CD7-A84A-FF285154D86F}"/>
               </a:ext>
             </a:extLst>
           </p:cNvPr>
@@ -2404,7 +2406,7 @@
           <p:cNvPr id="6" name="Espaço Reservado para Rodapé 5">
             <a:extLst>
               <a:ext uri="{FF2B5EF4-FFF2-40B4-BE49-F238E27FC236}">
-                <a16:creationId xmlns:a16="http://schemas.microsoft.com/office/drawing/2014/main" xmlns="" id="{0AD13ED2-5028-472E-81EA-55A6B7C5DD98}"/>
+                <a16:creationId xmlns:a16="http://schemas.microsoft.com/office/drawing/2014/main" id="{0AD13ED2-5028-472E-81EA-55A6B7C5DD98}"/>
               </a:ext>
             </a:extLst>
           </p:cNvPr>
@@ -2429,7 +2431,7 @@
           <p:cNvPr id="7" name="Espaço Reservado para Número de Slide 6">
             <a:extLst>
               <a:ext uri="{FF2B5EF4-FFF2-40B4-BE49-F238E27FC236}">
-                <a16:creationId xmlns:a16="http://schemas.microsoft.com/office/drawing/2014/main" xmlns="" id="{4FC44571-6267-40C2-80E5-6D10C1FCD24D}"/>
+                <a16:creationId xmlns:a16="http://schemas.microsoft.com/office/drawing/2014/main" id="{4FC44571-6267-40C2-80E5-6D10C1FCD24D}"/>
               </a:ext>
             </a:extLst>
           </p:cNvPr>
@@ -2488,7 +2490,7 @@
           <p:cNvPr id="2" name="Título 1">
             <a:extLst>
               <a:ext uri="{FF2B5EF4-FFF2-40B4-BE49-F238E27FC236}">
-                <a16:creationId xmlns:a16="http://schemas.microsoft.com/office/drawing/2014/main" xmlns="" id="{24832C3B-2444-4B60-B4FB-EF8FE9AB153F}"/>
+                <a16:creationId xmlns:a16="http://schemas.microsoft.com/office/drawing/2014/main" id="{24832C3B-2444-4B60-B4FB-EF8FE9AB153F}"/>
               </a:ext>
             </a:extLst>
           </p:cNvPr>
@@ -2525,7 +2527,7 @@
           <p:cNvPr id="3" name="Espaço Reservado para Imagem 2">
             <a:extLst>
               <a:ext uri="{FF2B5EF4-FFF2-40B4-BE49-F238E27FC236}">
-                <a16:creationId xmlns:a16="http://schemas.microsoft.com/office/drawing/2014/main" xmlns="" id="{E9B5DF96-1A16-46D0-910E-F4FD2D5E929F}"/>
+                <a16:creationId xmlns:a16="http://schemas.microsoft.com/office/drawing/2014/main" id="{E9B5DF96-1A16-46D0-910E-F4FD2D5E929F}"/>
               </a:ext>
             </a:extLst>
           </p:cNvPr>
@@ -2592,7 +2594,7 @@
           <p:cNvPr id="4" name="Espaço Reservado para Texto 3">
             <a:extLst>
               <a:ext uri="{FF2B5EF4-FFF2-40B4-BE49-F238E27FC236}">
-                <a16:creationId xmlns:a16="http://schemas.microsoft.com/office/drawing/2014/main" xmlns="" id="{0B44B76A-F48A-467F-97A3-6B1AF573105D}"/>
+                <a16:creationId xmlns:a16="http://schemas.microsoft.com/office/drawing/2014/main" id="{0B44B76A-F48A-467F-97A3-6B1AF573105D}"/>
               </a:ext>
             </a:extLst>
           </p:cNvPr>
@@ -2663,7 +2665,7 @@
           <p:cNvPr id="5" name="Espaço Reservado para Data 4">
             <a:extLst>
               <a:ext uri="{FF2B5EF4-FFF2-40B4-BE49-F238E27FC236}">
-                <a16:creationId xmlns:a16="http://schemas.microsoft.com/office/drawing/2014/main" xmlns="" id="{B9131082-9389-445A-956D-B6E9189E8293}"/>
+                <a16:creationId xmlns:a16="http://schemas.microsoft.com/office/drawing/2014/main" id="{B9131082-9389-445A-956D-B6E9189E8293}"/>
               </a:ext>
             </a:extLst>
           </p:cNvPr>
@@ -2692,7 +2694,7 @@
           <p:cNvPr id="6" name="Espaço Reservado para Rodapé 5">
             <a:extLst>
               <a:ext uri="{FF2B5EF4-FFF2-40B4-BE49-F238E27FC236}">
-                <a16:creationId xmlns:a16="http://schemas.microsoft.com/office/drawing/2014/main" xmlns="" id="{B0AC693E-EDD0-4E14-B875-A854D92A990F}"/>
+                <a16:creationId xmlns:a16="http://schemas.microsoft.com/office/drawing/2014/main" id="{B0AC693E-EDD0-4E14-B875-A854D92A990F}"/>
               </a:ext>
             </a:extLst>
           </p:cNvPr>
@@ -2717,7 +2719,7 @@
           <p:cNvPr id="7" name="Espaço Reservado para Número de Slide 6">
             <a:extLst>
               <a:ext uri="{FF2B5EF4-FFF2-40B4-BE49-F238E27FC236}">
-                <a16:creationId xmlns:a16="http://schemas.microsoft.com/office/drawing/2014/main" xmlns="" id="{0DCF88D5-98CD-42AF-93CC-CA18F48F8CFB}"/>
+                <a16:creationId xmlns:a16="http://schemas.microsoft.com/office/drawing/2014/main" id="{0DCF88D5-98CD-42AF-93CC-CA18F48F8CFB}"/>
               </a:ext>
             </a:extLst>
           </p:cNvPr>
@@ -2781,7 +2783,7 @@
           <p:cNvPr id="2" name="Espaço Reservado para Título 1">
             <a:extLst>
               <a:ext uri="{FF2B5EF4-FFF2-40B4-BE49-F238E27FC236}">
-                <a16:creationId xmlns:a16="http://schemas.microsoft.com/office/drawing/2014/main" xmlns="" id="{4F6CB07D-A899-4C47-BE84-D3ED3FEA41F9}"/>
+                <a16:creationId xmlns:a16="http://schemas.microsoft.com/office/drawing/2014/main" id="{4F6CB07D-A899-4C47-BE84-D3ED3FEA41F9}"/>
               </a:ext>
             </a:extLst>
           </p:cNvPr>
@@ -2819,7 +2821,7 @@
           <p:cNvPr id="3" name="Espaço Reservado para Texto 2">
             <a:extLst>
               <a:ext uri="{FF2B5EF4-FFF2-40B4-BE49-F238E27FC236}">
-                <a16:creationId xmlns:a16="http://schemas.microsoft.com/office/drawing/2014/main" xmlns="" id="{F15A791E-A493-4F39-802F-53C6464BA6E0}"/>
+                <a16:creationId xmlns:a16="http://schemas.microsoft.com/office/drawing/2014/main" id="{F15A791E-A493-4F39-802F-53C6464BA6E0}"/>
               </a:ext>
             </a:extLst>
           </p:cNvPr>
@@ -2886,7 +2888,7 @@
           <p:cNvPr id="4" name="Espaço Reservado para Data 3">
             <a:extLst>
               <a:ext uri="{FF2B5EF4-FFF2-40B4-BE49-F238E27FC236}">
-                <a16:creationId xmlns:a16="http://schemas.microsoft.com/office/drawing/2014/main" xmlns="" id="{A8C47E84-DB38-428B-9324-9B4EF55479DD}"/>
+                <a16:creationId xmlns:a16="http://schemas.microsoft.com/office/drawing/2014/main" id="{A8C47E84-DB38-428B-9324-9B4EF55479DD}"/>
               </a:ext>
             </a:extLst>
           </p:cNvPr>
@@ -2933,7 +2935,7 @@
           <p:cNvPr id="5" name="Espaço Reservado para Rodapé 4">
             <a:extLst>
               <a:ext uri="{FF2B5EF4-FFF2-40B4-BE49-F238E27FC236}">
-                <a16:creationId xmlns:a16="http://schemas.microsoft.com/office/drawing/2014/main" xmlns="" id="{1184955E-EE2B-4FE3-A5BA-0E7CD5435612}"/>
+                <a16:creationId xmlns:a16="http://schemas.microsoft.com/office/drawing/2014/main" id="{1184955E-EE2B-4FE3-A5BA-0E7CD5435612}"/>
               </a:ext>
             </a:extLst>
           </p:cNvPr>
@@ -2976,7 +2978,7 @@
           <p:cNvPr id="6" name="Espaço Reservado para Número de Slide 5">
             <a:extLst>
               <a:ext uri="{FF2B5EF4-FFF2-40B4-BE49-F238E27FC236}">
-                <a16:creationId xmlns:a16="http://schemas.microsoft.com/office/drawing/2014/main" xmlns="" id="{31723C05-276C-4549-909E-78DE9ECA6CBF}"/>
+                <a16:creationId xmlns:a16="http://schemas.microsoft.com/office/drawing/2014/main" id="{31723C05-276C-4549-909E-78DE9ECA6CBF}"/>
               </a:ext>
             </a:extLst>
           </p:cNvPr>
@@ -3363,7 +3365,7 @@
           <p:cNvPr id="2" name="Título 1">
             <a:extLst>
               <a:ext uri="{FF2B5EF4-FFF2-40B4-BE49-F238E27FC236}">
-                <a16:creationId xmlns:a16="http://schemas.microsoft.com/office/drawing/2014/main" xmlns="" id="{853CF2A1-0579-4C83-82BA-CD86427D6B81}"/>
+                <a16:creationId xmlns:a16="http://schemas.microsoft.com/office/drawing/2014/main" id="{853CF2A1-0579-4C83-82BA-CD86427D6B81}"/>
               </a:ext>
             </a:extLst>
           </p:cNvPr>
@@ -3399,7 +3401,7 @@
           <p:cNvPr id="3" name="Subtítulo 2">
             <a:extLst>
               <a:ext uri="{FF2B5EF4-FFF2-40B4-BE49-F238E27FC236}">
-                <a16:creationId xmlns:a16="http://schemas.microsoft.com/office/drawing/2014/main" xmlns="" id="{5368B87B-9DD9-47DA-8AF4-677285F41D00}"/>
+                <a16:creationId xmlns:a16="http://schemas.microsoft.com/office/drawing/2014/main" id="{5368B87B-9DD9-47DA-8AF4-677285F41D00}"/>
               </a:ext>
             </a:extLst>
           </p:cNvPr>
@@ -3417,7 +3419,9 @@
           </a:xfrm>
         </p:spPr>
         <p:txBody>
-          <a:bodyPr/>
+          <a:bodyPr>
+            <a:normAutofit fontScale="77500" lnSpcReduction="20000"/>
+          </a:bodyPr>
           <a:lstStyle/>
           <a:p>
             <a:pPr algn="l"/>
@@ -3427,6 +3431,66 @@
               </a:rPr>
               <a:t>Experiência do Usuário</a:t>
             </a:r>
+          </a:p>
+          <a:p>
+            <a:pPr algn="l"/>
+            <a:endParaRPr lang="pt-BR" dirty="0">
+              <a:latin typeface="Century Gothic" panose="020B0502020202020204" pitchFamily="34" charset="0"/>
+            </a:endParaRPr>
+          </a:p>
+          <a:p>
+            <a:pPr algn="l"/>
+            <a:r>
+              <a:rPr lang="pt-BR" dirty="0">
+                <a:latin typeface="Century Gothic" panose="020B0502020202020204" pitchFamily="34" charset="0"/>
+              </a:rPr>
+              <a:t>Luciano </a:t>
+            </a:r>
+            <a:r>
+              <a:rPr lang="pt-BR" dirty="0" err="1">
+                <a:latin typeface="Century Gothic" panose="020B0502020202020204" pitchFamily="34" charset="0"/>
+              </a:rPr>
+              <a:t>email</a:t>
+            </a:r>
+            <a:endParaRPr lang="pt-BR" dirty="0">
+              <a:latin typeface="Century Gothic" panose="020B0502020202020204" pitchFamily="34" charset="0"/>
+            </a:endParaRPr>
+          </a:p>
+          <a:p>
+            <a:pPr algn="l"/>
+            <a:r>
+              <a:rPr lang="pt-BR" dirty="0">
+                <a:latin typeface="Century Gothic" panose="020B0502020202020204" pitchFamily="34" charset="0"/>
+              </a:rPr>
+              <a:t>Matheus </a:t>
+            </a:r>
+            <a:r>
+              <a:rPr lang="pt-BR" dirty="0" err="1">
+                <a:latin typeface="Century Gothic" panose="020B0502020202020204" pitchFamily="34" charset="0"/>
+              </a:rPr>
+              <a:t>email</a:t>
+            </a:r>
+            <a:endParaRPr lang="pt-BR" dirty="0">
+              <a:latin typeface="Century Gothic" panose="020B0502020202020204" pitchFamily="34" charset="0"/>
+            </a:endParaRPr>
+          </a:p>
+          <a:p>
+            <a:pPr algn="l"/>
+            <a:r>
+              <a:rPr lang="pt-BR" dirty="0">
+                <a:latin typeface="Century Gothic" panose="020B0502020202020204" pitchFamily="34" charset="0"/>
+              </a:rPr>
+              <a:t>Victor </a:t>
+            </a:r>
+            <a:r>
+              <a:rPr lang="pt-BR" dirty="0" err="1">
+                <a:latin typeface="Century Gothic" panose="020B0502020202020204" pitchFamily="34" charset="0"/>
+              </a:rPr>
+              <a:t>email</a:t>
+            </a:r>
+            <a:endParaRPr lang="pt-BR" dirty="0">
+              <a:latin typeface="Century Gothic" panose="020B0502020202020204" pitchFamily="34" charset="0"/>
+            </a:endParaRPr>
           </a:p>
         </p:txBody>
       </p:sp>
@@ -3495,7 +3559,7 @@
           <p:cNvPr id="2" name="Título 1">
             <a:extLst>
               <a:ext uri="{FF2B5EF4-FFF2-40B4-BE49-F238E27FC236}">
-                <a16:creationId xmlns:a16="http://schemas.microsoft.com/office/drawing/2014/main" xmlns="" id="{50649D6F-8D7E-4F79-8400-B82A286FC916}"/>
+                <a16:creationId xmlns:a16="http://schemas.microsoft.com/office/drawing/2014/main" id="{5D996AC8-5F15-4973-A5A9-5961F1B4A11D}"/>
               </a:ext>
             </a:extLst>
           </p:cNvPr>
@@ -3515,6 +3579,246 @@
               <a:rPr lang="pt-BR" dirty="0">
                 <a:latin typeface="Century Gothic" panose="020B0502020202020204" pitchFamily="34" charset="0"/>
               </a:rPr>
+              <a:t>União dos Papeis</a:t>
+            </a:r>
+          </a:p>
+        </p:txBody>
+      </p:sp>
+      <p:sp>
+        <p:nvSpPr>
+          <p:cNvPr id="3" name="Espaço Reservado para Conteúdo 2">
+            <a:extLst>
+              <a:ext uri="{FF2B5EF4-FFF2-40B4-BE49-F238E27FC236}">
+                <a16:creationId xmlns:a16="http://schemas.microsoft.com/office/drawing/2014/main" id="{D1470A3A-D2F3-453D-8230-6F01FC801348}"/>
+              </a:ext>
+            </a:extLst>
+          </p:cNvPr>
+          <p:cNvSpPr>
+            <a:spLocks noGrp="1"/>
+          </p:cNvSpPr>
+          <p:nvPr>
+            <p:ph idx="1"/>
+          </p:nvPr>
+        </p:nvSpPr>
+        <p:spPr/>
+        <p:txBody>
+          <a:bodyPr/>
+          <a:lstStyle/>
+          <a:p>
+            <a:r>
+              <a:rPr lang="pt-BR" dirty="0">
+                <a:latin typeface="Century Gothic" panose="020B0502020202020204" pitchFamily="34" charset="0"/>
+              </a:rPr>
+              <a:t>Desenvolvedores X Designers</a:t>
+            </a:r>
+          </a:p>
+        </p:txBody>
+      </p:sp>
+    </p:spTree>
+    <p:extLst>
+      <p:ext uri="{BB962C8B-B14F-4D97-AF65-F5344CB8AC3E}">
+        <p14:creationId xmlns:p14="http://schemas.microsoft.com/office/powerpoint/2010/main" val="1432789617"/>
+      </p:ext>
+    </p:extLst>
+  </p:cSld>
+  <p:clrMapOvr>
+    <a:masterClrMapping/>
+  </p:clrMapOvr>
+  <mc:AlternateContent xmlns:mc="http://schemas.openxmlformats.org/markup-compatibility/2006" xmlns:p14="http://schemas.microsoft.com/office/powerpoint/2010/main">
+    <mc:Choice Requires="p14">
+      <p:transition spd="med">
+        <p14:reveal/>
+      </p:transition>
+    </mc:Choice>
+    <mc:Fallback xmlns="">
+      <p:transition spd="med">
+        <p:fade/>
+      </p:transition>
+    </mc:Fallback>
+  </mc:AlternateContent>
+</p:sld>
+</file>
+
+<file path=ppt/slides/slide11.xml><?xml version="1.0" encoding="utf-8"?>
+<p:sld xmlns:a="http://schemas.openxmlformats.org/drawingml/2006/main" xmlns:r="http://schemas.openxmlformats.org/officeDocument/2006/relationships" xmlns:p="http://schemas.openxmlformats.org/presentationml/2006/main">
+  <p:cSld>
+    <p:bg>
+      <p:bgPr>
+        <a:gradFill>
+          <a:gsLst>
+            <a:gs pos="0">
+              <a:schemeClr val="bg1"/>
+            </a:gs>
+            <a:gs pos="100000">
+              <a:schemeClr val="bg1">
+                <a:lumMod val="90000"/>
+              </a:schemeClr>
+            </a:gs>
+          </a:gsLst>
+          <a:lin ang="5400000" scaled="1"/>
+        </a:gradFill>
+        <a:effectLst/>
+      </p:bgPr>
+    </p:bg>
+    <p:spTree>
+      <p:nvGrpSpPr>
+        <p:cNvPr id="1" name=""/>
+        <p:cNvGrpSpPr/>
+        <p:nvPr/>
+      </p:nvGrpSpPr>
+      <p:grpSpPr>
+        <a:xfrm>
+          <a:off x="0" y="0"/>
+          <a:ext cx="0" cy="0"/>
+          <a:chOff x="0" y="0"/>
+          <a:chExt cx="0" cy="0"/>
+        </a:xfrm>
+      </p:grpSpPr>
+      <p:sp>
+        <p:nvSpPr>
+          <p:cNvPr id="2" name="Título 1">
+            <a:extLst>
+              <a:ext uri="{FF2B5EF4-FFF2-40B4-BE49-F238E27FC236}">
+                <a16:creationId xmlns:a16="http://schemas.microsoft.com/office/drawing/2014/main" id="{8EB7C264-1E75-4E67-90AA-E260F6A9B6FA}"/>
+              </a:ext>
+            </a:extLst>
+          </p:cNvPr>
+          <p:cNvSpPr>
+            <a:spLocks noGrp="1"/>
+          </p:cNvSpPr>
+          <p:nvPr>
+            <p:ph type="title"/>
+          </p:nvPr>
+        </p:nvSpPr>
+        <p:spPr/>
+        <p:txBody>
+          <a:bodyPr/>
+          <a:lstStyle/>
+          <a:p>
+            <a:r>
+              <a:rPr lang="pt-BR" dirty="0">
+                <a:latin typeface="Century Gothic" panose="020B0502020202020204" pitchFamily="34" charset="0"/>
+              </a:rPr>
+              <a:t>Estratégias e Métodos</a:t>
+            </a:r>
+          </a:p>
+        </p:txBody>
+      </p:sp>
+      <p:sp>
+        <p:nvSpPr>
+          <p:cNvPr id="3" name="Espaço Reservado para Conteúdo 2">
+            <a:extLst>
+              <a:ext uri="{FF2B5EF4-FFF2-40B4-BE49-F238E27FC236}">
+                <a16:creationId xmlns:a16="http://schemas.microsoft.com/office/drawing/2014/main" id="{6F253BD7-1CBF-4FD7-A368-176E23E2AC47}"/>
+              </a:ext>
+            </a:extLst>
+          </p:cNvPr>
+          <p:cNvSpPr>
+            <a:spLocks noGrp="1"/>
+          </p:cNvSpPr>
+          <p:nvPr>
+            <p:ph idx="1"/>
+          </p:nvPr>
+        </p:nvSpPr>
+        <p:spPr/>
+        <p:txBody>
+          <a:bodyPr/>
+          <a:lstStyle/>
+          <a:p>
+            <a:r>
+              <a:rPr lang="pt-BR" dirty="0">
+                <a:latin typeface="Century Gothic" panose="020B0502020202020204" pitchFamily="34" charset="0"/>
+              </a:rPr>
+              <a:t>Importância</a:t>
+            </a:r>
+          </a:p>
+        </p:txBody>
+      </p:sp>
+    </p:spTree>
+    <p:extLst>
+      <p:ext uri="{BB962C8B-B14F-4D97-AF65-F5344CB8AC3E}">
+        <p14:creationId xmlns:p14="http://schemas.microsoft.com/office/powerpoint/2010/main" val="2262007086"/>
+      </p:ext>
+    </p:extLst>
+  </p:cSld>
+  <p:clrMapOvr>
+    <a:masterClrMapping/>
+  </p:clrMapOvr>
+  <mc:AlternateContent xmlns:mc="http://schemas.openxmlformats.org/markup-compatibility/2006" xmlns:p14="http://schemas.microsoft.com/office/powerpoint/2010/main">
+    <mc:Choice Requires="p14">
+      <p:transition spd="med">
+        <p14:reveal/>
+      </p:transition>
+    </mc:Choice>
+    <mc:Fallback xmlns="">
+      <p:transition spd="med">
+        <p:fade/>
+      </p:transition>
+    </mc:Fallback>
+  </mc:AlternateContent>
+</p:sld>
+</file>
+
+<file path=ppt/slides/slide12.xml><?xml version="1.0" encoding="utf-8"?>
+<p:sld xmlns:a="http://schemas.openxmlformats.org/drawingml/2006/main" xmlns:r="http://schemas.openxmlformats.org/officeDocument/2006/relationships" xmlns:p="http://schemas.openxmlformats.org/presentationml/2006/main">
+  <p:cSld>
+    <p:bg>
+      <p:bgPr>
+        <a:gradFill>
+          <a:gsLst>
+            <a:gs pos="0">
+              <a:schemeClr val="bg1"/>
+            </a:gs>
+            <a:gs pos="100000">
+              <a:schemeClr val="bg1">
+                <a:lumMod val="90000"/>
+              </a:schemeClr>
+            </a:gs>
+          </a:gsLst>
+          <a:lin ang="5400000" scaled="1"/>
+        </a:gradFill>
+        <a:effectLst/>
+      </p:bgPr>
+    </p:bg>
+    <p:spTree>
+      <p:nvGrpSpPr>
+        <p:cNvPr id="1" name=""/>
+        <p:cNvGrpSpPr/>
+        <p:nvPr/>
+      </p:nvGrpSpPr>
+      <p:grpSpPr>
+        <a:xfrm>
+          <a:off x="0" y="0"/>
+          <a:ext cx="0" cy="0"/>
+          <a:chOff x="0" y="0"/>
+          <a:chExt cx="0" cy="0"/>
+        </a:xfrm>
+      </p:grpSpPr>
+      <p:sp>
+        <p:nvSpPr>
+          <p:cNvPr id="2" name="Título 1">
+            <a:extLst>
+              <a:ext uri="{FF2B5EF4-FFF2-40B4-BE49-F238E27FC236}">
+                <a16:creationId xmlns:a16="http://schemas.microsoft.com/office/drawing/2014/main" id="{50649D6F-8D7E-4F79-8400-B82A286FC916}"/>
+              </a:ext>
+            </a:extLst>
+          </p:cNvPr>
+          <p:cNvSpPr>
+            <a:spLocks noGrp="1"/>
+          </p:cNvSpPr>
+          <p:nvPr>
+            <p:ph type="title"/>
+          </p:nvPr>
+        </p:nvSpPr>
+        <p:spPr/>
+        <p:txBody>
+          <a:bodyPr/>
+          <a:lstStyle/>
+          <a:p>
+            <a:r>
+              <a:rPr lang="pt-BR" dirty="0">
+                <a:latin typeface="Century Gothic" panose="020B0502020202020204" pitchFamily="34" charset="0"/>
+              </a:rPr>
               <a:t>Métodos</a:t>
             </a:r>
           </a:p>
@@ -3525,7 +3829,7 @@
           <p:cNvPr id="3" name="Espaço Reservado para Conteúdo 2">
             <a:extLst>
               <a:ext uri="{FF2B5EF4-FFF2-40B4-BE49-F238E27FC236}">
-                <a16:creationId xmlns:a16="http://schemas.microsoft.com/office/drawing/2014/main" xmlns="" id="{EEB115A1-080C-437A-98C5-74F5BD683881}"/>
+                <a16:creationId xmlns:a16="http://schemas.microsoft.com/office/drawing/2014/main" id="{EEB115A1-080C-437A-98C5-74F5BD683881}"/>
               </a:ext>
             </a:extLst>
           </p:cNvPr>
@@ -3616,7 +3920,7 @@
           <p:cNvPr id="4" name="Conector: Angulado 3">
             <a:extLst>
               <a:ext uri="{FF2B5EF4-FFF2-40B4-BE49-F238E27FC236}">
-                <a16:creationId xmlns:a16="http://schemas.microsoft.com/office/drawing/2014/main" xmlns="" id="{19A63109-F09A-4AF7-978D-125B52AFF2F6}"/>
+                <a16:creationId xmlns:a16="http://schemas.microsoft.com/office/drawing/2014/main" id="{19A63109-F09A-4AF7-978D-125B52AFF2F6}"/>
               </a:ext>
             </a:extLst>
           </p:cNvPr>
@@ -3657,7 +3961,7 @@
           <p:cNvPr id="5" name="Conector: Angulado 4">
             <a:extLst>
               <a:ext uri="{FF2B5EF4-FFF2-40B4-BE49-F238E27FC236}">
-                <a16:creationId xmlns:a16="http://schemas.microsoft.com/office/drawing/2014/main" xmlns="" id="{A10F21B1-5C40-4C58-8BE6-E32375EF029A}"/>
+                <a16:creationId xmlns:a16="http://schemas.microsoft.com/office/drawing/2014/main" id="{A10F21B1-5C40-4C58-8BE6-E32375EF029A}"/>
               </a:ext>
             </a:extLst>
           </p:cNvPr>
@@ -3718,7 +4022,7 @@
 </p:sld>
 </file>
 
-<file path=ppt/slides/slide11.xml><?xml version="1.0" encoding="utf-8"?>
+<file path=ppt/slides/slide13.xml><?xml version="1.0" encoding="utf-8"?>
 <p:sld xmlns:a="http://schemas.openxmlformats.org/drawingml/2006/main" xmlns:r="http://schemas.openxmlformats.org/officeDocument/2006/relationships" xmlns:p="http://schemas.openxmlformats.org/presentationml/2006/main">
   <p:cSld>
     <p:bg>
@@ -3758,7 +4062,7 @@
           <p:cNvPr id="2" name="Título 1">
             <a:extLst>
               <a:ext uri="{FF2B5EF4-FFF2-40B4-BE49-F238E27FC236}">
-                <a16:creationId xmlns:a16="http://schemas.microsoft.com/office/drawing/2014/main" xmlns="" id="{1F56165F-473F-4557-B7CD-127698CD0E21}"/>
+                <a16:creationId xmlns:a16="http://schemas.microsoft.com/office/drawing/2014/main" id="{1F56165F-473F-4557-B7CD-127698CD0E21}"/>
               </a:ext>
             </a:extLst>
           </p:cNvPr>
@@ -3788,7 +4092,7 @@
           <p:cNvPr id="3" name="Espaço Reservado para Conteúdo 2">
             <a:extLst>
               <a:ext uri="{FF2B5EF4-FFF2-40B4-BE49-F238E27FC236}">
-                <a16:creationId xmlns:a16="http://schemas.microsoft.com/office/drawing/2014/main" xmlns="" id="{F84BBDF0-C48B-47AB-99AD-6540F20C7B0F}"/>
+                <a16:creationId xmlns:a16="http://schemas.microsoft.com/office/drawing/2014/main" id="{F84BBDF0-C48B-47AB-99AD-6540F20C7B0F}"/>
               </a:ext>
             </a:extLst>
           </p:cNvPr>
@@ -3879,7 +4183,7 @@
           <p:cNvPr id="4" name="Conector: Angulado 3">
             <a:extLst>
               <a:ext uri="{FF2B5EF4-FFF2-40B4-BE49-F238E27FC236}">
-                <a16:creationId xmlns:a16="http://schemas.microsoft.com/office/drawing/2014/main" xmlns="" id="{0B6F9A97-9FC7-46A0-8A05-B4E9558A17AE}"/>
+                <a16:creationId xmlns:a16="http://schemas.microsoft.com/office/drawing/2014/main" id="{0B6F9A97-9FC7-46A0-8A05-B4E9558A17AE}"/>
               </a:ext>
             </a:extLst>
           </p:cNvPr>
@@ -3920,7 +4224,7 @@
           <p:cNvPr id="5" name="Conector: Angulado 4">
             <a:extLst>
               <a:ext uri="{FF2B5EF4-FFF2-40B4-BE49-F238E27FC236}">
-                <a16:creationId xmlns:a16="http://schemas.microsoft.com/office/drawing/2014/main" xmlns="" id="{FA4EFD53-924C-4E37-8016-EE2DB048666A}"/>
+                <a16:creationId xmlns:a16="http://schemas.microsoft.com/office/drawing/2014/main" id="{FA4EFD53-924C-4E37-8016-EE2DB048666A}"/>
               </a:ext>
             </a:extLst>
           </p:cNvPr>
@@ -3956,6 +4260,42 @@
           </a:fontRef>
         </p:style>
       </p:cxnSp>
+      <p:pic>
+        <p:nvPicPr>
+          <p:cNvPr id="7" name="Imagem 6">
+            <a:extLst>
+              <a:ext uri="{FF2B5EF4-FFF2-40B4-BE49-F238E27FC236}">
+                <a16:creationId xmlns:a16="http://schemas.microsoft.com/office/drawing/2014/main" id="{4C203059-7668-594B-AF97-9B786CF91404}"/>
+              </a:ext>
+            </a:extLst>
+          </p:cNvPr>
+          <p:cNvPicPr>
+            <a:picLocks noChangeAspect="1"/>
+          </p:cNvPicPr>
+          <p:nvPr/>
+        </p:nvPicPr>
+        <p:blipFill>
+          <a:blip r:embed="rId2">
+            <a:extLst>
+              <a:ext uri="{28A0092B-C50C-407E-A947-70E740481C1C}">
+                <a14:useLocalDpi xmlns:a14="http://schemas.microsoft.com/office/drawing/2010/main" val="0"/>
+              </a:ext>
+            </a:extLst>
+          </a:blip>
+          <a:stretch>
+            <a:fillRect/>
+          </a:stretch>
+        </p:blipFill>
+        <p:spPr>
+          <a:xfrm>
+            <a:off x="7127876" y="367506"/>
+            <a:ext cx="4225924" cy="2916237"/>
+          </a:xfrm>
+          <a:prstGeom prst="rect">
+            <a:avLst/>
+          </a:prstGeom>
+        </p:spPr>
+      </p:pic>
     </p:spTree>
     <p:extLst>
       <p:ext uri="{BB962C8B-B14F-4D97-AF65-F5344CB8AC3E}">
@@ -3981,7 +4321,7 @@
 </p:sld>
 </file>
 
-<file path=ppt/slides/slide12.xml><?xml version="1.0" encoding="utf-8"?>
+<file path=ppt/slides/slide14.xml><?xml version="1.0" encoding="utf-8"?>
 <p:sld xmlns:a="http://schemas.openxmlformats.org/drawingml/2006/main" xmlns:r="http://schemas.openxmlformats.org/officeDocument/2006/relationships" xmlns:p="http://schemas.openxmlformats.org/presentationml/2006/main">
   <p:cSld>
     <p:bg>
@@ -4021,7 +4361,7 @@
           <p:cNvPr id="2" name="Título 1">
             <a:extLst>
               <a:ext uri="{FF2B5EF4-FFF2-40B4-BE49-F238E27FC236}">
-                <a16:creationId xmlns:a16="http://schemas.microsoft.com/office/drawing/2014/main" xmlns="" id="{D9D78DEC-5A40-426D-B67E-46BEF70ADD09}"/>
+                <a16:creationId xmlns:a16="http://schemas.microsoft.com/office/drawing/2014/main" id="{D9D78DEC-5A40-426D-B67E-46BEF70ADD09}"/>
               </a:ext>
             </a:extLst>
           </p:cNvPr>
@@ -4051,7 +4391,7 @@
           <p:cNvPr id="3" name="Espaço Reservado para Conteúdo 2">
             <a:extLst>
               <a:ext uri="{FF2B5EF4-FFF2-40B4-BE49-F238E27FC236}">
-                <a16:creationId xmlns:a16="http://schemas.microsoft.com/office/drawing/2014/main" xmlns="" id="{A8C93EB5-A509-45A3-BCFF-43266BE07D2C}"/>
+                <a16:creationId xmlns:a16="http://schemas.microsoft.com/office/drawing/2014/main" id="{A8C93EB5-A509-45A3-BCFF-43266BE07D2C}"/>
               </a:ext>
             </a:extLst>
           </p:cNvPr>
@@ -4140,7 +4480,7 @@
           <p:cNvPr id="4" name="Conector: Angulado 3">
             <a:extLst>
               <a:ext uri="{FF2B5EF4-FFF2-40B4-BE49-F238E27FC236}">
-                <a16:creationId xmlns:a16="http://schemas.microsoft.com/office/drawing/2014/main" xmlns="" id="{B57C8F6A-3750-4198-962B-4D07C61745E1}"/>
+                <a16:creationId xmlns:a16="http://schemas.microsoft.com/office/drawing/2014/main" id="{B57C8F6A-3750-4198-962B-4D07C61745E1}"/>
               </a:ext>
             </a:extLst>
           </p:cNvPr>
@@ -4181,7 +4521,7 @@
           <p:cNvPr id="5" name="Conector: Angulado 4">
             <a:extLst>
               <a:ext uri="{FF2B5EF4-FFF2-40B4-BE49-F238E27FC236}">
-                <a16:creationId xmlns:a16="http://schemas.microsoft.com/office/drawing/2014/main" xmlns="" id="{7A8B105B-A4BE-4830-AB58-34AFC5AB3BE3}"/>
+                <a16:creationId xmlns:a16="http://schemas.microsoft.com/office/drawing/2014/main" id="{7A8B105B-A4BE-4830-AB58-34AFC5AB3BE3}"/>
               </a:ext>
             </a:extLst>
           </p:cNvPr>
@@ -4217,6 +4557,42 @@
           </a:fontRef>
         </p:style>
       </p:cxnSp>
+      <p:pic>
+        <p:nvPicPr>
+          <p:cNvPr id="7" name="Imagem 6">
+            <a:extLst>
+              <a:ext uri="{FF2B5EF4-FFF2-40B4-BE49-F238E27FC236}">
+                <a16:creationId xmlns:a16="http://schemas.microsoft.com/office/drawing/2014/main" id="{B31C1473-0847-3844-B0DE-1689EE0EBBE0}"/>
+              </a:ext>
+            </a:extLst>
+          </p:cNvPr>
+          <p:cNvPicPr>
+            <a:picLocks noChangeAspect="1"/>
+          </p:cNvPicPr>
+          <p:nvPr/>
+        </p:nvPicPr>
+        <p:blipFill>
+          <a:blip r:embed="rId2">
+            <a:extLst>
+              <a:ext uri="{28A0092B-C50C-407E-A947-70E740481C1C}">
+                <a14:useLocalDpi xmlns:a14="http://schemas.microsoft.com/office/drawing/2010/main" val="0"/>
+              </a:ext>
+            </a:extLst>
+          </a:blip>
+          <a:stretch>
+            <a:fillRect/>
+          </a:stretch>
+        </p:blipFill>
+        <p:spPr>
+          <a:xfrm>
+            <a:off x="5484586" y="2295328"/>
+            <a:ext cx="6337300" cy="2946400"/>
+          </a:xfrm>
+          <a:prstGeom prst="rect">
+            <a:avLst/>
+          </a:prstGeom>
+        </p:spPr>
+      </p:pic>
     </p:spTree>
     <p:extLst>
       <p:ext uri="{BB962C8B-B14F-4D97-AF65-F5344CB8AC3E}">
@@ -4242,7 +4618,7 @@
 </p:sld>
 </file>
 
-<file path=ppt/slides/slide13.xml><?xml version="1.0" encoding="utf-8"?>
+<file path=ppt/slides/slide15.xml><?xml version="1.0" encoding="utf-8"?>
 <p:sld xmlns:a="http://schemas.openxmlformats.org/drawingml/2006/main" xmlns:r="http://schemas.openxmlformats.org/officeDocument/2006/relationships" xmlns:p="http://schemas.openxmlformats.org/presentationml/2006/main">
   <p:cSld>
     <p:bg>
@@ -4282,7 +4658,7 @@
           <p:cNvPr id="2" name="Título 1">
             <a:extLst>
               <a:ext uri="{FF2B5EF4-FFF2-40B4-BE49-F238E27FC236}">
-                <a16:creationId xmlns:a16="http://schemas.microsoft.com/office/drawing/2014/main" xmlns="" id="{A7100BB4-66A8-4F7F-B345-2CE40495002A}"/>
+                <a16:creationId xmlns:a16="http://schemas.microsoft.com/office/drawing/2014/main" id="{A7100BB4-66A8-4F7F-B345-2CE40495002A}"/>
               </a:ext>
             </a:extLst>
           </p:cNvPr>
@@ -4312,7 +4688,7 @@
           <p:cNvPr id="3" name="Espaço Reservado para Conteúdo 2">
             <a:extLst>
               <a:ext uri="{FF2B5EF4-FFF2-40B4-BE49-F238E27FC236}">
-                <a16:creationId xmlns:a16="http://schemas.microsoft.com/office/drawing/2014/main" xmlns="" id="{8037E6CF-7B72-404C-A93A-BE4F580F6185}"/>
+                <a16:creationId xmlns:a16="http://schemas.microsoft.com/office/drawing/2014/main" id="{8037E6CF-7B72-404C-A93A-BE4F580F6185}"/>
               </a:ext>
             </a:extLst>
           </p:cNvPr>
@@ -4409,7 +4785,7 @@
           <p:cNvPr id="4" name="Conector: Angulado 3">
             <a:extLst>
               <a:ext uri="{FF2B5EF4-FFF2-40B4-BE49-F238E27FC236}">
-                <a16:creationId xmlns:a16="http://schemas.microsoft.com/office/drawing/2014/main" xmlns="" id="{65B180D0-998E-4E4C-8CF3-BEF22E06E105}"/>
+                <a16:creationId xmlns:a16="http://schemas.microsoft.com/office/drawing/2014/main" id="{65B180D0-998E-4E4C-8CF3-BEF22E06E105}"/>
               </a:ext>
             </a:extLst>
           </p:cNvPr>
@@ -4450,7 +4826,7 @@
           <p:cNvPr id="5" name="Conector: Angulado 4">
             <a:extLst>
               <a:ext uri="{FF2B5EF4-FFF2-40B4-BE49-F238E27FC236}">
-                <a16:creationId xmlns:a16="http://schemas.microsoft.com/office/drawing/2014/main" xmlns="" id="{7B9A2A4E-8CD2-4142-AB6E-8B689008A773}"/>
+                <a16:creationId xmlns:a16="http://schemas.microsoft.com/office/drawing/2014/main" id="{7B9A2A4E-8CD2-4142-AB6E-8B689008A773}"/>
               </a:ext>
             </a:extLst>
           </p:cNvPr>
@@ -4511,7 +4887,7 @@
 </p:sld>
 </file>
 
-<file path=ppt/slides/slide14.xml><?xml version="1.0" encoding="utf-8"?>
+<file path=ppt/slides/slide16.xml><?xml version="1.0" encoding="utf-8"?>
 <p:sld xmlns:a="http://schemas.openxmlformats.org/drawingml/2006/main" xmlns:r="http://schemas.openxmlformats.org/officeDocument/2006/relationships" xmlns:p="http://schemas.openxmlformats.org/presentationml/2006/main">
   <p:cSld>
     <p:bg>
@@ -4551,7 +4927,7 @@
           <p:cNvPr id="4" name="CaixaDeTexto 3">
             <a:extLst>
               <a:ext uri="{FF2B5EF4-FFF2-40B4-BE49-F238E27FC236}">
-                <a16:creationId xmlns:a16="http://schemas.microsoft.com/office/drawing/2014/main" xmlns="" id="{C40FF11A-4EEB-42BA-AB23-137610A57B8E}"/>
+                <a16:creationId xmlns:a16="http://schemas.microsoft.com/office/drawing/2014/main" id="{C40FF11A-4EEB-42BA-AB23-137610A57B8E}"/>
               </a:ext>
             </a:extLst>
           </p:cNvPr>
@@ -4609,6 +4985,172 @@
 </file>
 
 <file path=ppt/slides/slide2.xml><?xml version="1.0" encoding="utf-8"?>
+<p:sld xmlns:a="http://schemas.openxmlformats.org/drawingml/2006/main" xmlns:r="http://schemas.openxmlformats.org/officeDocument/2006/relationships" xmlns:p="http://schemas.openxmlformats.org/presentationml/2006/main">
+  <p:cSld>
+    <p:spTree>
+      <p:nvGrpSpPr>
+        <p:cNvPr id="1" name=""/>
+        <p:cNvGrpSpPr/>
+        <p:nvPr/>
+      </p:nvGrpSpPr>
+      <p:grpSpPr>
+        <a:xfrm>
+          <a:off x="0" y="0"/>
+          <a:ext cx="0" cy="0"/>
+          <a:chOff x="0" y="0"/>
+          <a:chExt cx="0" cy="0"/>
+        </a:xfrm>
+      </p:grpSpPr>
+      <p:sp>
+        <p:nvSpPr>
+          <p:cNvPr id="2" name="Título 1">
+            <a:extLst>
+              <a:ext uri="{FF2B5EF4-FFF2-40B4-BE49-F238E27FC236}">
+                <a16:creationId xmlns:a16="http://schemas.microsoft.com/office/drawing/2014/main" id="{56B483FA-E39F-6D48-8211-5AD78A45E0B7}"/>
+              </a:ext>
+            </a:extLst>
+          </p:cNvPr>
+          <p:cNvSpPr>
+            <a:spLocks noGrp="1"/>
+          </p:cNvSpPr>
+          <p:nvPr>
+            <p:ph type="title"/>
+          </p:nvPr>
+        </p:nvSpPr>
+        <p:spPr/>
+        <p:txBody>
+          <a:bodyPr/>
+          <a:lstStyle/>
+          <a:p>
+            <a:r>
+              <a:rPr lang="pt-BR" dirty="0"/>
+              <a:t>Sumário/Agenda</a:t>
+            </a:r>
+          </a:p>
+        </p:txBody>
+      </p:sp>
+      <p:sp>
+        <p:nvSpPr>
+          <p:cNvPr id="3" name="Espaço Reservado para Conteúdo 2">
+            <a:extLst>
+              <a:ext uri="{FF2B5EF4-FFF2-40B4-BE49-F238E27FC236}">
+                <a16:creationId xmlns:a16="http://schemas.microsoft.com/office/drawing/2014/main" id="{48FB4B51-C9C6-4C41-8C1F-8E4A2266901B}"/>
+              </a:ext>
+            </a:extLst>
+          </p:cNvPr>
+          <p:cNvSpPr>
+            <a:spLocks noGrp="1"/>
+          </p:cNvSpPr>
+          <p:nvPr>
+            <p:ph idx="1"/>
+          </p:nvPr>
+        </p:nvSpPr>
+        <p:spPr/>
+        <p:txBody>
+          <a:bodyPr/>
+          <a:lstStyle/>
+          <a:p>
+            <a:endParaRPr lang="pt-BR" dirty="0"/>
+          </a:p>
+        </p:txBody>
+      </p:sp>
+    </p:spTree>
+    <p:extLst>
+      <p:ext uri="{BB962C8B-B14F-4D97-AF65-F5344CB8AC3E}">
+        <p14:creationId xmlns:p14="http://schemas.microsoft.com/office/powerpoint/2010/main" val="2753375340"/>
+      </p:ext>
+    </p:extLst>
+  </p:cSld>
+  <p:clrMapOvr>
+    <a:masterClrMapping/>
+  </p:clrMapOvr>
+</p:sld>
+</file>
+
+<file path=ppt/slides/slide3.xml><?xml version="1.0" encoding="utf-8"?>
+<p:sld xmlns:a="http://schemas.openxmlformats.org/drawingml/2006/main" xmlns:r="http://schemas.openxmlformats.org/officeDocument/2006/relationships" xmlns:p="http://schemas.openxmlformats.org/presentationml/2006/main">
+  <p:cSld>
+    <p:spTree>
+      <p:nvGrpSpPr>
+        <p:cNvPr id="1" name=""/>
+        <p:cNvGrpSpPr/>
+        <p:nvPr/>
+      </p:nvGrpSpPr>
+      <p:grpSpPr>
+        <a:xfrm>
+          <a:off x="0" y="0"/>
+          <a:ext cx="0" cy="0"/>
+          <a:chOff x="0" y="0"/>
+          <a:chExt cx="0" cy="0"/>
+        </a:xfrm>
+      </p:grpSpPr>
+      <p:sp>
+        <p:nvSpPr>
+          <p:cNvPr id="2" name="Título 1">
+            <a:extLst>
+              <a:ext uri="{FF2B5EF4-FFF2-40B4-BE49-F238E27FC236}">
+                <a16:creationId xmlns:a16="http://schemas.microsoft.com/office/drawing/2014/main" id="{05DF1E45-B60D-844F-90DA-6BEFF87DD269}"/>
+              </a:ext>
+            </a:extLst>
+          </p:cNvPr>
+          <p:cNvSpPr>
+            <a:spLocks noGrp="1"/>
+          </p:cNvSpPr>
+          <p:nvPr>
+            <p:ph type="title"/>
+          </p:nvPr>
+        </p:nvSpPr>
+        <p:spPr/>
+        <p:txBody>
+          <a:bodyPr/>
+          <a:lstStyle/>
+          <a:p>
+            <a:r>
+              <a:rPr lang="pt-BR" dirty="0"/>
+              <a:t>Objetivos</a:t>
+            </a:r>
+          </a:p>
+        </p:txBody>
+      </p:sp>
+      <p:sp>
+        <p:nvSpPr>
+          <p:cNvPr id="3" name="Espaço Reservado para Conteúdo 2">
+            <a:extLst>
+              <a:ext uri="{FF2B5EF4-FFF2-40B4-BE49-F238E27FC236}">
+                <a16:creationId xmlns:a16="http://schemas.microsoft.com/office/drawing/2014/main" id="{1BCED627-CF6A-654A-857F-F95C3A9FCF92}"/>
+              </a:ext>
+            </a:extLst>
+          </p:cNvPr>
+          <p:cNvSpPr>
+            <a:spLocks noGrp="1"/>
+          </p:cNvSpPr>
+          <p:nvPr>
+            <p:ph idx="1"/>
+          </p:nvPr>
+        </p:nvSpPr>
+        <p:spPr/>
+        <p:txBody>
+          <a:bodyPr/>
+          <a:lstStyle/>
+          <a:p>
+            <a:endParaRPr lang="pt-BR"/>
+          </a:p>
+        </p:txBody>
+      </p:sp>
+    </p:spTree>
+    <p:extLst>
+      <p:ext uri="{BB962C8B-B14F-4D97-AF65-F5344CB8AC3E}">
+        <p14:creationId xmlns:p14="http://schemas.microsoft.com/office/powerpoint/2010/main" val="4135277837"/>
+      </p:ext>
+    </p:extLst>
+  </p:cSld>
+  <p:clrMapOvr>
+    <a:masterClrMapping/>
+  </p:clrMapOvr>
+</p:sld>
+</file>
+
+<file path=ppt/slides/slide4.xml><?xml version="1.0" encoding="utf-8"?>
 <p:sld xmlns:a="http://schemas.openxmlformats.org/drawingml/2006/main" xmlns:r="http://schemas.openxmlformats.org/officeDocument/2006/relationships" xmlns:p="http://schemas.openxmlformats.org/presentationml/2006/main">
   <p:cSld>
     <p:bg>
@@ -4648,7 +5190,7 @@
           <p:cNvPr id="2" name="Título 1">
             <a:extLst>
               <a:ext uri="{FF2B5EF4-FFF2-40B4-BE49-F238E27FC236}">
-                <a16:creationId xmlns:a16="http://schemas.microsoft.com/office/drawing/2014/main" xmlns="" id="{BDD67DF9-1C21-44C7-93C9-508FD14C2B5B}"/>
+                <a16:creationId xmlns:a16="http://schemas.microsoft.com/office/drawing/2014/main" id="{BDD67DF9-1C21-44C7-93C9-508FD14C2B5B}"/>
               </a:ext>
             </a:extLst>
           </p:cNvPr>
@@ -4678,7 +5220,7 @@
           <p:cNvPr id="5" name="Espaço Reservado para Conteúdo 4">
             <a:extLst>
               <a:ext uri="{FF2B5EF4-FFF2-40B4-BE49-F238E27FC236}">
-                <a16:creationId xmlns:a16="http://schemas.microsoft.com/office/drawing/2014/main" xmlns="" id="{182F36EF-03C6-4CF9-9857-B8635F9AB06B}"/>
+                <a16:creationId xmlns:a16="http://schemas.microsoft.com/office/drawing/2014/main" id="{182F36EF-03C6-4CF9-9857-B8635F9AB06B}"/>
               </a:ext>
             </a:extLst>
           </p:cNvPr>
@@ -4731,7 +5273,7 @@
 </p:sld>
 </file>
 
-<file path=ppt/slides/slide3.xml><?xml version="1.0" encoding="utf-8"?>
+<file path=ppt/slides/slide5.xml><?xml version="1.0" encoding="utf-8"?>
 <p:sld xmlns:a="http://schemas.openxmlformats.org/drawingml/2006/main" xmlns:r="http://schemas.openxmlformats.org/officeDocument/2006/relationships" xmlns:p="http://schemas.openxmlformats.org/presentationml/2006/main">
   <p:cSld>
     <p:bg>
@@ -4771,7 +5313,7 @@
           <p:cNvPr id="2" name="Título 1">
             <a:extLst>
               <a:ext uri="{FF2B5EF4-FFF2-40B4-BE49-F238E27FC236}">
-                <a16:creationId xmlns:a16="http://schemas.microsoft.com/office/drawing/2014/main" xmlns="" id="{1BDA85BD-BBA8-4B81-91F8-E3089F3C5351}"/>
+                <a16:creationId xmlns:a16="http://schemas.microsoft.com/office/drawing/2014/main" id="{1BDA85BD-BBA8-4B81-91F8-E3089F3C5351}"/>
               </a:ext>
             </a:extLst>
           </p:cNvPr>
@@ -4801,7 +5343,7 @@
           <p:cNvPr id="3" name="Espaço Reservado para Conteúdo 2">
             <a:extLst>
               <a:ext uri="{FF2B5EF4-FFF2-40B4-BE49-F238E27FC236}">
-                <a16:creationId xmlns:a16="http://schemas.microsoft.com/office/drawing/2014/main" xmlns="" id="{F2AAFCAB-DC65-4BEE-BC5D-BA7C1206AE37}"/>
+                <a16:creationId xmlns:a16="http://schemas.microsoft.com/office/drawing/2014/main" id="{F2AAFCAB-DC65-4BEE-BC5D-BA7C1206AE37}"/>
               </a:ext>
             </a:extLst>
           </p:cNvPr>
@@ -4895,7 +5437,7 @@
           <p:cNvPr id="5" name="Conector: Angulado 4">
             <a:extLst>
               <a:ext uri="{FF2B5EF4-FFF2-40B4-BE49-F238E27FC236}">
-                <a16:creationId xmlns:a16="http://schemas.microsoft.com/office/drawing/2014/main" xmlns="" id="{06CCC053-9840-419D-9CD1-DDED82EAC180}"/>
+                <a16:creationId xmlns:a16="http://schemas.microsoft.com/office/drawing/2014/main" id="{06CCC053-9840-419D-9CD1-DDED82EAC180}"/>
               </a:ext>
             </a:extLst>
           </p:cNvPr>
@@ -4936,7 +5478,7 @@
           <p:cNvPr id="7" name="Conector: Angulado 6">
             <a:extLst>
               <a:ext uri="{FF2B5EF4-FFF2-40B4-BE49-F238E27FC236}">
-                <a16:creationId xmlns:a16="http://schemas.microsoft.com/office/drawing/2014/main" xmlns="" id="{634F5698-4F7A-4C19-B489-ADC2BD740EDE}"/>
+                <a16:creationId xmlns:a16="http://schemas.microsoft.com/office/drawing/2014/main" id="{634F5698-4F7A-4C19-B489-ADC2BD740EDE}"/>
               </a:ext>
             </a:extLst>
           </p:cNvPr>
@@ -4997,7 +5539,7 @@
 </p:sld>
 </file>
 
-<file path=ppt/slides/slide4.xml><?xml version="1.0" encoding="utf-8"?>
+<file path=ppt/slides/slide6.xml><?xml version="1.0" encoding="utf-8"?>
 <p:sld xmlns:a="http://schemas.openxmlformats.org/drawingml/2006/main" xmlns:r="http://schemas.openxmlformats.org/officeDocument/2006/relationships" xmlns:p="http://schemas.openxmlformats.org/presentationml/2006/main">
   <p:cSld>
     <p:bg>
@@ -5037,7 +5579,7 @@
           <p:cNvPr id="2" name="Título 1">
             <a:extLst>
               <a:ext uri="{FF2B5EF4-FFF2-40B4-BE49-F238E27FC236}">
-                <a16:creationId xmlns:a16="http://schemas.microsoft.com/office/drawing/2014/main" xmlns="" id="{16B730A7-7272-4BFD-858C-A8AACA9E1743}"/>
+                <a16:creationId xmlns:a16="http://schemas.microsoft.com/office/drawing/2014/main" id="{16B730A7-7272-4BFD-858C-A8AACA9E1743}"/>
               </a:ext>
             </a:extLst>
           </p:cNvPr>
@@ -5067,7 +5609,7 @@
           <p:cNvPr id="3" name="Espaço Reservado para Conteúdo 2">
             <a:extLst>
               <a:ext uri="{FF2B5EF4-FFF2-40B4-BE49-F238E27FC236}">
-                <a16:creationId xmlns:a16="http://schemas.microsoft.com/office/drawing/2014/main" xmlns="" id="{83928F07-0793-4B9F-A781-219AFA81AA29}"/>
+                <a16:creationId xmlns:a16="http://schemas.microsoft.com/office/drawing/2014/main" id="{83928F07-0793-4B9F-A781-219AFA81AA29}"/>
               </a:ext>
             </a:extLst>
           </p:cNvPr>
@@ -5170,7 +5712,7 @@
           <p:cNvPr id="15" name="Conector: Angulado 14">
             <a:extLst>
               <a:ext uri="{FF2B5EF4-FFF2-40B4-BE49-F238E27FC236}">
-                <a16:creationId xmlns:a16="http://schemas.microsoft.com/office/drawing/2014/main" xmlns="" id="{0DFC9759-7F4B-4B60-8DFE-1C123505923F}"/>
+                <a16:creationId xmlns:a16="http://schemas.microsoft.com/office/drawing/2014/main" id="{0DFC9759-7F4B-4B60-8DFE-1C123505923F}"/>
               </a:ext>
             </a:extLst>
           </p:cNvPr>
@@ -5211,7 +5753,7 @@
           <p:cNvPr id="16" name="Conector: Angulado 15">
             <a:extLst>
               <a:ext uri="{FF2B5EF4-FFF2-40B4-BE49-F238E27FC236}">
-                <a16:creationId xmlns:a16="http://schemas.microsoft.com/office/drawing/2014/main" xmlns="" id="{88A2DC19-55BE-4AE9-8840-759739AA8684}"/>
+                <a16:creationId xmlns:a16="http://schemas.microsoft.com/office/drawing/2014/main" id="{88A2DC19-55BE-4AE9-8840-759739AA8684}"/>
               </a:ext>
             </a:extLst>
           </p:cNvPr>
@@ -5272,7 +5814,7 @@
 </p:sld>
 </file>
 
-<file path=ppt/slides/slide5.xml><?xml version="1.0" encoding="utf-8"?>
+<file path=ppt/slides/slide7.xml><?xml version="1.0" encoding="utf-8"?>
 <p:sld xmlns:a="http://schemas.openxmlformats.org/drawingml/2006/main" xmlns:r="http://schemas.openxmlformats.org/officeDocument/2006/relationships" xmlns:p="http://schemas.openxmlformats.org/presentationml/2006/main">
   <p:cSld>
     <p:bg>
@@ -5312,7 +5854,7 @@
           <p:cNvPr id="2" name="Título 1">
             <a:extLst>
               <a:ext uri="{FF2B5EF4-FFF2-40B4-BE49-F238E27FC236}">
-                <a16:creationId xmlns:a16="http://schemas.microsoft.com/office/drawing/2014/main" xmlns="" id="{59C752D0-9C60-4AE9-82C4-5057D72ABE26}"/>
+                <a16:creationId xmlns:a16="http://schemas.microsoft.com/office/drawing/2014/main" id="{59C752D0-9C60-4AE9-82C4-5057D72ABE26}"/>
               </a:ext>
             </a:extLst>
           </p:cNvPr>
@@ -5342,7 +5884,7 @@
           <p:cNvPr id="3" name="Espaço Reservado para Conteúdo 2">
             <a:extLst>
               <a:ext uri="{FF2B5EF4-FFF2-40B4-BE49-F238E27FC236}">
-                <a16:creationId xmlns:a16="http://schemas.microsoft.com/office/drawing/2014/main" xmlns="" id="{4B36E3F9-0CAD-4F9E-8C97-CC3A7FAA45C6}"/>
+                <a16:creationId xmlns:a16="http://schemas.microsoft.com/office/drawing/2014/main" id="{4B36E3F9-0CAD-4F9E-8C97-CC3A7FAA45C6}"/>
               </a:ext>
             </a:extLst>
           </p:cNvPr>
@@ -5433,7 +5975,7 @@
           <p:cNvPr id="4" name="Conector: Angulado 3">
             <a:extLst>
               <a:ext uri="{FF2B5EF4-FFF2-40B4-BE49-F238E27FC236}">
-                <a16:creationId xmlns:a16="http://schemas.microsoft.com/office/drawing/2014/main" xmlns="" id="{F8ED8AEF-CCD1-4CFE-9EC2-6C36DC821DDA}"/>
+                <a16:creationId xmlns:a16="http://schemas.microsoft.com/office/drawing/2014/main" id="{F8ED8AEF-CCD1-4CFE-9EC2-6C36DC821DDA}"/>
               </a:ext>
             </a:extLst>
           </p:cNvPr>
@@ -5474,7 +6016,7 @@
           <p:cNvPr id="5" name="Conector: Angulado 4">
             <a:extLst>
               <a:ext uri="{FF2B5EF4-FFF2-40B4-BE49-F238E27FC236}">
-                <a16:creationId xmlns:a16="http://schemas.microsoft.com/office/drawing/2014/main" xmlns="" id="{0DE37692-8C1D-44B2-B41B-F60CBB6A5EA3}"/>
+                <a16:creationId xmlns:a16="http://schemas.microsoft.com/office/drawing/2014/main" id="{0DE37692-8C1D-44B2-B41B-F60CBB6A5EA3}"/>
               </a:ext>
             </a:extLst>
           </p:cNvPr>
@@ -5535,7 +6077,7 @@
 </p:sld>
 </file>
 
-<file path=ppt/slides/slide6.xml><?xml version="1.0" encoding="utf-8"?>
+<file path=ppt/slides/slide8.xml><?xml version="1.0" encoding="utf-8"?>
 <p:sld xmlns:a="http://schemas.openxmlformats.org/drawingml/2006/main" xmlns:r="http://schemas.openxmlformats.org/officeDocument/2006/relationships" xmlns:p="http://schemas.openxmlformats.org/presentationml/2006/main">
   <p:cSld>
     <p:bg>
@@ -5575,7 +6117,7 @@
           <p:cNvPr id="2" name="Título 1">
             <a:extLst>
               <a:ext uri="{FF2B5EF4-FFF2-40B4-BE49-F238E27FC236}">
-                <a16:creationId xmlns:a16="http://schemas.microsoft.com/office/drawing/2014/main" xmlns="" id="{10B2CAC2-2C79-45D7-84DA-996D634E7E2C}"/>
+                <a16:creationId xmlns:a16="http://schemas.microsoft.com/office/drawing/2014/main" id="{10B2CAC2-2C79-45D7-84DA-996D634E7E2C}"/>
               </a:ext>
             </a:extLst>
           </p:cNvPr>
@@ -5611,7 +6153,7 @@
           <p:cNvPr id="3" name="Espaço Reservado para Conteúdo 2">
             <a:extLst>
               <a:ext uri="{FF2B5EF4-FFF2-40B4-BE49-F238E27FC236}">
-                <a16:creationId xmlns:a16="http://schemas.microsoft.com/office/drawing/2014/main" xmlns="" id="{EFD5B183-8984-4C93-B74F-F2D6202E0C8B}"/>
+                <a16:creationId xmlns:a16="http://schemas.microsoft.com/office/drawing/2014/main" id="{EFD5B183-8984-4C93-B74F-F2D6202E0C8B}"/>
               </a:ext>
             </a:extLst>
           </p:cNvPr>
@@ -5702,7 +6244,7 @@
           <p:cNvPr id="4" name="Conector: Angulado 3">
             <a:extLst>
               <a:ext uri="{FF2B5EF4-FFF2-40B4-BE49-F238E27FC236}">
-                <a16:creationId xmlns:a16="http://schemas.microsoft.com/office/drawing/2014/main" xmlns="" id="{466F668D-4197-49BA-BC17-159CA355FB1B}"/>
+                <a16:creationId xmlns:a16="http://schemas.microsoft.com/office/drawing/2014/main" id="{466F668D-4197-49BA-BC17-159CA355FB1B}"/>
               </a:ext>
             </a:extLst>
           </p:cNvPr>
@@ -5743,7 +6285,7 @@
           <p:cNvPr id="5" name="Conector: Angulado 4">
             <a:extLst>
               <a:ext uri="{FF2B5EF4-FFF2-40B4-BE49-F238E27FC236}">
-                <a16:creationId xmlns:a16="http://schemas.microsoft.com/office/drawing/2014/main" xmlns="" id="{BEB8657B-CD65-477D-861A-D6B68A4568F9}"/>
+                <a16:creationId xmlns:a16="http://schemas.microsoft.com/office/drawing/2014/main" id="{BEB8657B-CD65-477D-861A-D6B68A4568F9}"/>
               </a:ext>
             </a:extLst>
           </p:cNvPr>
@@ -5804,7 +6346,7 @@
 </p:sld>
 </file>
 
-<file path=ppt/slides/slide7.xml><?xml version="1.0" encoding="utf-8"?>
+<file path=ppt/slides/slide9.xml><?xml version="1.0" encoding="utf-8"?>
 <p:sld xmlns:a="http://schemas.openxmlformats.org/drawingml/2006/main" xmlns:r="http://schemas.openxmlformats.org/officeDocument/2006/relationships" xmlns:p="http://schemas.openxmlformats.org/presentationml/2006/main">
   <p:cSld>
     <p:bg>
@@ -5844,7 +6386,7 @@
           <p:cNvPr id="2" name="Título 1">
             <a:extLst>
               <a:ext uri="{FF2B5EF4-FFF2-40B4-BE49-F238E27FC236}">
-                <a16:creationId xmlns:a16="http://schemas.microsoft.com/office/drawing/2014/main" xmlns="" id="{34001BEB-81FF-4A8B-9A19-82579CF872BA}"/>
+                <a16:creationId xmlns:a16="http://schemas.microsoft.com/office/drawing/2014/main" id="{34001BEB-81FF-4A8B-9A19-82579CF872BA}"/>
               </a:ext>
             </a:extLst>
           </p:cNvPr>
@@ -5880,7 +6422,7 @@
           <p:cNvPr id="3" name="Espaço Reservado para Conteúdo 2">
             <a:extLst>
               <a:ext uri="{FF2B5EF4-FFF2-40B4-BE49-F238E27FC236}">
-                <a16:creationId xmlns:a16="http://schemas.microsoft.com/office/drawing/2014/main" xmlns="" id="{71713426-1ADA-47C9-9A39-3DD9920E4AF3}"/>
+                <a16:creationId xmlns:a16="http://schemas.microsoft.com/office/drawing/2014/main" id="{71713426-1ADA-47C9-9A39-3DD9920E4AF3}"/>
               </a:ext>
             </a:extLst>
           </p:cNvPr>
@@ -5971,7 +6513,7 @@
           <p:cNvPr id="4" name="Conector: Angulado 3">
             <a:extLst>
               <a:ext uri="{FF2B5EF4-FFF2-40B4-BE49-F238E27FC236}">
-                <a16:creationId xmlns:a16="http://schemas.microsoft.com/office/drawing/2014/main" xmlns="" id="{C16BDDE5-6C8C-4A98-9E20-C44B085D1199}"/>
+                <a16:creationId xmlns:a16="http://schemas.microsoft.com/office/drawing/2014/main" id="{C16BDDE5-6C8C-4A98-9E20-C44B085D1199}"/>
               </a:ext>
             </a:extLst>
           </p:cNvPr>
@@ -6012,7 +6554,7 @@
           <p:cNvPr id="5" name="Conector: Angulado 4">
             <a:extLst>
               <a:ext uri="{FF2B5EF4-FFF2-40B4-BE49-F238E27FC236}">
-                <a16:creationId xmlns:a16="http://schemas.microsoft.com/office/drawing/2014/main" xmlns="" id="{B2DD7790-CDC5-4F0A-9128-A613B0244675}"/>
+                <a16:creationId xmlns:a16="http://schemas.microsoft.com/office/drawing/2014/main" id="{B2DD7790-CDC5-4F0A-9128-A613B0244675}"/>
               </a:ext>
             </a:extLst>
           </p:cNvPr>
@@ -6052,246 +6594,6 @@
     <p:extLst>
       <p:ext uri="{BB962C8B-B14F-4D97-AF65-F5344CB8AC3E}">
         <p14:creationId xmlns:p14="http://schemas.microsoft.com/office/powerpoint/2010/main" val="1610656072"/>
-      </p:ext>
-    </p:extLst>
-  </p:cSld>
-  <p:clrMapOvr>
-    <a:masterClrMapping/>
-  </p:clrMapOvr>
-  <mc:AlternateContent xmlns:mc="http://schemas.openxmlformats.org/markup-compatibility/2006" xmlns:p14="http://schemas.microsoft.com/office/powerpoint/2010/main">
-    <mc:Choice Requires="p14">
-      <p:transition spd="med">
-        <p14:reveal/>
-      </p:transition>
-    </mc:Choice>
-    <mc:Fallback xmlns="">
-      <p:transition spd="med">
-        <p:fade/>
-      </p:transition>
-    </mc:Fallback>
-  </mc:AlternateContent>
-</p:sld>
-</file>
-
-<file path=ppt/slides/slide8.xml><?xml version="1.0" encoding="utf-8"?>
-<p:sld xmlns:a="http://schemas.openxmlformats.org/drawingml/2006/main" xmlns:r="http://schemas.openxmlformats.org/officeDocument/2006/relationships" xmlns:p="http://schemas.openxmlformats.org/presentationml/2006/main">
-  <p:cSld>
-    <p:bg>
-      <p:bgPr>
-        <a:gradFill>
-          <a:gsLst>
-            <a:gs pos="0">
-              <a:schemeClr val="bg1"/>
-            </a:gs>
-            <a:gs pos="100000">
-              <a:schemeClr val="bg1">
-                <a:lumMod val="90000"/>
-              </a:schemeClr>
-            </a:gs>
-          </a:gsLst>
-          <a:lin ang="5400000" scaled="1"/>
-        </a:gradFill>
-        <a:effectLst/>
-      </p:bgPr>
-    </p:bg>
-    <p:spTree>
-      <p:nvGrpSpPr>
-        <p:cNvPr id="1" name=""/>
-        <p:cNvGrpSpPr/>
-        <p:nvPr/>
-      </p:nvGrpSpPr>
-      <p:grpSpPr>
-        <a:xfrm>
-          <a:off x="0" y="0"/>
-          <a:ext cx="0" cy="0"/>
-          <a:chOff x="0" y="0"/>
-          <a:chExt cx="0" cy="0"/>
-        </a:xfrm>
-      </p:grpSpPr>
-      <p:sp>
-        <p:nvSpPr>
-          <p:cNvPr id="2" name="Título 1">
-            <a:extLst>
-              <a:ext uri="{FF2B5EF4-FFF2-40B4-BE49-F238E27FC236}">
-                <a16:creationId xmlns:a16="http://schemas.microsoft.com/office/drawing/2014/main" xmlns="" id="{5D996AC8-5F15-4973-A5A9-5961F1B4A11D}"/>
-              </a:ext>
-            </a:extLst>
-          </p:cNvPr>
-          <p:cNvSpPr>
-            <a:spLocks noGrp="1"/>
-          </p:cNvSpPr>
-          <p:nvPr>
-            <p:ph type="title"/>
-          </p:nvPr>
-        </p:nvSpPr>
-        <p:spPr/>
-        <p:txBody>
-          <a:bodyPr/>
-          <a:lstStyle/>
-          <a:p>
-            <a:r>
-              <a:rPr lang="pt-BR" dirty="0">
-                <a:latin typeface="Century Gothic" panose="020B0502020202020204" pitchFamily="34" charset="0"/>
-              </a:rPr>
-              <a:t>União dos Papeis</a:t>
-            </a:r>
-          </a:p>
-        </p:txBody>
-      </p:sp>
-      <p:sp>
-        <p:nvSpPr>
-          <p:cNvPr id="3" name="Espaço Reservado para Conteúdo 2">
-            <a:extLst>
-              <a:ext uri="{FF2B5EF4-FFF2-40B4-BE49-F238E27FC236}">
-                <a16:creationId xmlns:a16="http://schemas.microsoft.com/office/drawing/2014/main" xmlns="" id="{D1470A3A-D2F3-453D-8230-6F01FC801348}"/>
-              </a:ext>
-            </a:extLst>
-          </p:cNvPr>
-          <p:cNvSpPr>
-            <a:spLocks noGrp="1"/>
-          </p:cNvSpPr>
-          <p:nvPr>
-            <p:ph idx="1"/>
-          </p:nvPr>
-        </p:nvSpPr>
-        <p:spPr/>
-        <p:txBody>
-          <a:bodyPr/>
-          <a:lstStyle/>
-          <a:p>
-            <a:r>
-              <a:rPr lang="pt-BR" dirty="0">
-                <a:latin typeface="Century Gothic" panose="020B0502020202020204" pitchFamily="34" charset="0"/>
-              </a:rPr>
-              <a:t>Desenvolvedores X Designers</a:t>
-            </a:r>
-          </a:p>
-        </p:txBody>
-      </p:sp>
-    </p:spTree>
-    <p:extLst>
-      <p:ext uri="{BB962C8B-B14F-4D97-AF65-F5344CB8AC3E}">
-        <p14:creationId xmlns:p14="http://schemas.microsoft.com/office/powerpoint/2010/main" val="1432789617"/>
-      </p:ext>
-    </p:extLst>
-  </p:cSld>
-  <p:clrMapOvr>
-    <a:masterClrMapping/>
-  </p:clrMapOvr>
-  <mc:AlternateContent xmlns:mc="http://schemas.openxmlformats.org/markup-compatibility/2006" xmlns:p14="http://schemas.microsoft.com/office/powerpoint/2010/main">
-    <mc:Choice Requires="p14">
-      <p:transition spd="med">
-        <p14:reveal/>
-      </p:transition>
-    </mc:Choice>
-    <mc:Fallback xmlns="">
-      <p:transition spd="med">
-        <p:fade/>
-      </p:transition>
-    </mc:Fallback>
-  </mc:AlternateContent>
-</p:sld>
-</file>
-
-<file path=ppt/slides/slide9.xml><?xml version="1.0" encoding="utf-8"?>
-<p:sld xmlns:a="http://schemas.openxmlformats.org/drawingml/2006/main" xmlns:r="http://schemas.openxmlformats.org/officeDocument/2006/relationships" xmlns:p="http://schemas.openxmlformats.org/presentationml/2006/main">
-  <p:cSld>
-    <p:bg>
-      <p:bgPr>
-        <a:gradFill>
-          <a:gsLst>
-            <a:gs pos="0">
-              <a:schemeClr val="bg1"/>
-            </a:gs>
-            <a:gs pos="100000">
-              <a:schemeClr val="bg1">
-                <a:lumMod val="90000"/>
-              </a:schemeClr>
-            </a:gs>
-          </a:gsLst>
-          <a:lin ang="5400000" scaled="1"/>
-        </a:gradFill>
-        <a:effectLst/>
-      </p:bgPr>
-    </p:bg>
-    <p:spTree>
-      <p:nvGrpSpPr>
-        <p:cNvPr id="1" name=""/>
-        <p:cNvGrpSpPr/>
-        <p:nvPr/>
-      </p:nvGrpSpPr>
-      <p:grpSpPr>
-        <a:xfrm>
-          <a:off x="0" y="0"/>
-          <a:ext cx="0" cy="0"/>
-          <a:chOff x="0" y="0"/>
-          <a:chExt cx="0" cy="0"/>
-        </a:xfrm>
-      </p:grpSpPr>
-      <p:sp>
-        <p:nvSpPr>
-          <p:cNvPr id="2" name="Título 1">
-            <a:extLst>
-              <a:ext uri="{FF2B5EF4-FFF2-40B4-BE49-F238E27FC236}">
-                <a16:creationId xmlns:a16="http://schemas.microsoft.com/office/drawing/2014/main" xmlns="" id="{8EB7C264-1E75-4E67-90AA-E260F6A9B6FA}"/>
-              </a:ext>
-            </a:extLst>
-          </p:cNvPr>
-          <p:cNvSpPr>
-            <a:spLocks noGrp="1"/>
-          </p:cNvSpPr>
-          <p:nvPr>
-            <p:ph type="title"/>
-          </p:nvPr>
-        </p:nvSpPr>
-        <p:spPr/>
-        <p:txBody>
-          <a:bodyPr/>
-          <a:lstStyle/>
-          <a:p>
-            <a:r>
-              <a:rPr lang="pt-BR" dirty="0">
-                <a:latin typeface="Century Gothic" panose="020B0502020202020204" pitchFamily="34" charset="0"/>
-              </a:rPr>
-              <a:t>Estratégias e Métodos</a:t>
-            </a:r>
-          </a:p>
-        </p:txBody>
-      </p:sp>
-      <p:sp>
-        <p:nvSpPr>
-          <p:cNvPr id="3" name="Espaço Reservado para Conteúdo 2">
-            <a:extLst>
-              <a:ext uri="{FF2B5EF4-FFF2-40B4-BE49-F238E27FC236}">
-                <a16:creationId xmlns:a16="http://schemas.microsoft.com/office/drawing/2014/main" xmlns="" id="{6F253BD7-1CBF-4FD7-A368-176E23E2AC47}"/>
-              </a:ext>
-            </a:extLst>
-          </p:cNvPr>
-          <p:cNvSpPr>
-            <a:spLocks noGrp="1"/>
-          </p:cNvSpPr>
-          <p:nvPr>
-            <p:ph idx="1"/>
-          </p:nvPr>
-        </p:nvSpPr>
-        <p:spPr/>
-        <p:txBody>
-          <a:bodyPr/>
-          <a:lstStyle/>
-          <a:p>
-            <a:r>
-              <a:rPr lang="pt-BR" dirty="0">
-                <a:latin typeface="Century Gothic" panose="020B0502020202020204" pitchFamily="34" charset="0"/>
-              </a:rPr>
-              <a:t>Importância</a:t>
-            </a:r>
-          </a:p>
-        </p:txBody>
-      </p:sp>
-    </p:spTree>
-    <p:extLst>
-      <p:ext uri="{BB962C8B-B14F-4D97-AF65-F5344CB8AC3E}">
-        <p14:creationId xmlns:p14="http://schemas.microsoft.com/office/powerpoint/2010/main" val="2262007086"/>
       </p:ext>
     </p:extLst>
   </p:cSld>
